--- a/src/main/resources/Documentation/UserDocs/app/Context-Based Test Management Uploading Test Plans.pptx
+++ b/src/main/resources/Documentation/UserDocs/app/Context-Based Test Management Uploading Test Plans.pptx
@@ -110,7 +110,7 @@
   <p:extLst>
     <p:ext uri="{EFAFB233-063F-42B5-8137-9DF3F51BA10A}">
       <p15:sldGuideLst xmlns:p15="http://schemas.microsoft.com/office/powerpoint/2012/main">
-        <p15:guide id="1" orient="horz" pos="456" userDrawn="1">
+        <p15:guide id="1" orient="horz" pos="648" userDrawn="1">
           <p15:clr>
             <a:srgbClr val="A4A3A4"/>
           </p15:clr>
@@ -141,39 +141,48 @@
 </p:cmAuthorLst>
 </file>
 
+<file path=ppt/revisionInfo.xml><?xml version="1.0" encoding="utf-8"?>
+<p1510:revInfo xmlns:a="http://schemas.openxmlformats.org/drawingml/2006/main" xmlns:r="http://schemas.openxmlformats.org/officeDocument/2006/relationships" xmlns:p1510="http://schemas.microsoft.com/office/powerpoint/2015/10/main">
+  <p1510:revLst>
+    <p1510:client id="{CF2B6B8A-40A5-43D0-97E1-1079E05C3B60}" v="2" dt="2019-04-10T15:52:06.995"/>
+  </p1510:revLst>
+</p1510:revInfo>
+</file>
+
 <file path=ppt/changesInfos/changesInfo1.xml><?xml version="1.0" encoding="utf-8"?>
 <pc:chgInfo xmlns:a="http://schemas.openxmlformats.org/drawingml/2006/main" xmlns:r="http://schemas.openxmlformats.org/officeDocument/2006/relationships" xmlns:ac="http://schemas.microsoft.com/office/drawing/2013/main/command" xmlns:pc="http://schemas.microsoft.com/office/powerpoint/2013/main/command">
   <pc:docChgLst>
-    <pc:chgData name="Martinez, Sandra (Fed)" userId="a803850f-d246-4701-851d-cf6e46ff4720" providerId="ADAL" clId="{42EC4294-6A0B-4B5F-8EF7-D5D115F1E16B}"/>
-    <pc:docChg chg="modSld">
-      <pc:chgData name="Martinez, Sandra (Fed)" userId="a803850f-d246-4701-851d-cf6e46ff4720" providerId="ADAL" clId="{42EC4294-6A0B-4B5F-8EF7-D5D115F1E16B}" dt="2018-08-02T19:14:35.388" v="0" actId="6549"/>
+    <pc:chgData name="Martinez, Sandra (Fed)" userId="4d3d0ce3547d3a6e" providerId="OrgId" clId="{CF2B6B8A-40A5-43D0-97E1-1079E05C3B60}"/>
+    <pc:docChg chg="custSel delSld modSld">
+      <pc:chgData name="Martinez, Sandra (Fed)" userId="4d3d0ce3547d3a6e" providerId="OrgId" clId="{CF2B6B8A-40A5-43D0-97E1-1079E05C3B60}" dt="2019-04-10T15:52:06.995" v="1" actId="2696"/>
       <pc:docMkLst>
         <pc:docMk/>
       </pc:docMkLst>
-      <pc:sldChg chg="modNotesTx">
-        <pc:chgData name="Martinez, Sandra (Fed)" userId="a803850f-d246-4701-851d-cf6e46ff4720" providerId="ADAL" clId="{42EC4294-6A0B-4B5F-8EF7-D5D115F1E16B}" dt="2018-08-02T19:14:35.388" v="0" actId="6549"/>
+      <pc:sldChg chg="delSp">
+        <pc:chgData name="Martinez, Sandra (Fed)" userId="4d3d0ce3547d3a6e" providerId="OrgId" clId="{CF2B6B8A-40A5-43D0-97E1-1079E05C3B60}" dt="2019-04-10T15:51:55.026" v="0" actId="478"/>
         <pc:sldMkLst>
           <pc:docMk/>
           <pc:sldMk cId="3997257842" sldId="313"/>
+        </pc:sldMkLst>
+        <pc:spChg chg="del">
+          <ac:chgData name="Martinez, Sandra (Fed)" userId="4d3d0ce3547d3a6e" providerId="OrgId" clId="{CF2B6B8A-40A5-43D0-97E1-1079E05C3B60}" dt="2019-04-10T15:51:55.026" v="0" actId="478"/>
+          <ac:spMkLst>
+            <pc:docMk/>
+            <pc:sldMk cId="3997257842" sldId="313"/>
+            <ac:spMk id="17" creationId="{F106BA96-B066-4175-A539-81A50EB0542F}"/>
+          </ac:spMkLst>
+        </pc:spChg>
+      </pc:sldChg>
+      <pc:sldChg chg="del">
+        <pc:chgData name="Martinez, Sandra (Fed)" userId="4d3d0ce3547d3a6e" providerId="OrgId" clId="{CF2B6B8A-40A5-43D0-97E1-1079E05C3B60}" dt="2019-04-10T15:52:06.995" v="1" actId="2696"/>
+        <pc:sldMkLst>
+          <pc:docMk/>
+          <pc:sldMk cId="3131214344" sldId="314"/>
         </pc:sldMkLst>
       </pc:sldChg>
     </pc:docChg>
   </pc:docChgLst>
 </pc:chgInfo>
-</file>
-
-<file path=ppt/comments/comment1.xml><?xml version="1.0" encoding="utf-8"?>
-<p:cmLst xmlns:a="http://schemas.openxmlformats.org/drawingml/2006/main" xmlns:r="http://schemas.openxmlformats.org/officeDocument/2006/relationships" xmlns:p="http://schemas.openxmlformats.org/presentationml/2006/main">
-  <p:cm authorId="1" dt="2018-07-20T14:52:22.987" idx="5">
-    <p:pos x="10" y="10"/>
-    <p:text>Might need a video</p:text>
-    <p:extLst>
-      <p:ext uri="{C676402C-5697-4E1C-873F-D02D1690AC5C}">
-        <p15:threadingInfo xmlns:p15="http://schemas.microsoft.com/office/powerpoint/2012/main" timeZoneBias="240"/>
-      </p:ext>
-    </p:extLst>
-  </p:cm>
-</p:cmLst>
 </file>
 
 <file path=ppt/notesMasters/notesMaster1.xml><?xml version="1.0" encoding="utf-8"?>
@@ -258,7 +267,7 @@
           <a:p>
             <a:fld id="{9D756F37-617F-4B1C-BED3-CE7228747FF6}" type="datetimeFigureOut">
               <a:rPr lang="en-US" smtClean="0"/>
-              <a:t>8/2/2018</a:t>
+              <a:t>4/10/2019</a:t>
             </a:fld>
             <a:endParaRPr lang="en-US" dirty="0"/>
           </a:p>
@@ -3577,50 +3586,12 @@
           <a:chExt cx="0" cy="0"/>
         </a:xfrm>
       </p:grpSpPr>
-      <p:sp>
-        <p:nvSpPr>
-          <p:cNvPr id="5" name="Title 1">
+      <p:grpSp>
+        <p:nvGrpSpPr>
+          <p:cNvPr id="54" name="Group 53">
             <a:extLst>
               <a:ext uri="{FF2B5EF4-FFF2-40B4-BE49-F238E27FC236}">
-                <a16:creationId xmlns:a16="http://schemas.microsoft.com/office/drawing/2014/main" id="{89B38C27-7B5A-443B-9487-5F9EF611B2E8}"/>
-              </a:ext>
-            </a:extLst>
-          </p:cNvPr>
-          <p:cNvSpPr>
-            <a:spLocks noGrp="1"/>
-          </p:cNvSpPr>
-          <p:nvPr>
-            <p:ph type="title"/>
-          </p:nvPr>
-        </p:nvSpPr>
-        <p:spPr>
-          <a:xfrm>
-            <a:off x="1874838" y="152401"/>
-            <a:ext cx="8229600" cy="461963"/>
-          </a:xfrm>
-        </p:spPr>
-        <p:txBody>
-          <a:bodyPr/>
-          <a:lstStyle/>
-          <a:p>
-            <a:pPr algn="ctr">
-              <a:defRPr/>
-            </a:pPr>
-            <a:r>
-              <a:rPr lang="en-US" dirty="0">
-                <a:ea typeface="ＭＳ Ｐゴシック" charset="0"/>
-              </a:rPr>
-              <a:t>Context-based Test Management: Uploading Test Plans</a:t>
-            </a:r>
-          </a:p>
-        </p:txBody>
-      </p:sp>
-      <p:grpSp>
-        <p:nvGrpSpPr>
-          <p:cNvPr id="7" name="Group 6">
-            <a:extLst>
-              <a:ext uri="{FF2B5EF4-FFF2-40B4-BE49-F238E27FC236}">
-                <a16:creationId xmlns:a16="http://schemas.microsoft.com/office/drawing/2014/main" id="{822C8F98-A2DA-4910-95E7-448B7B465BDA}"/>
+                <a16:creationId xmlns:a16="http://schemas.microsoft.com/office/drawing/2014/main" id="{FAD29671-782F-4F75-8E61-EC2DC0407E60}"/>
               </a:ext>
             </a:extLst>
           </p:cNvPr>
@@ -3629,65 +3600,40 @@
         </p:nvGrpSpPr>
         <p:grpSpPr>
           <a:xfrm>
-            <a:off x="392703" y="1721190"/>
-            <a:ext cx="10306248" cy="1712625"/>
-            <a:chOff x="402034" y="1330523"/>
-            <a:chExt cx="10306248" cy="1712625"/>
+            <a:off x="412952" y="1573851"/>
+            <a:ext cx="10783784" cy="1484771"/>
+            <a:chOff x="412952" y="1573851"/>
+            <a:chExt cx="10783784" cy="1484771"/>
           </a:xfrm>
         </p:grpSpPr>
         <p:pic>
           <p:nvPicPr>
-            <p:cNvPr id="29" name="Picture 1">
+            <p:cNvPr id="44" name="Picture 43">
               <a:extLst>
                 <a:ext uri="{FF2B5EF4-FFF2-40B4-BE49-F238E27FC236}">
-                  <a16:creationId xmlns:a16="http://schemas.microsoft.com/office/drawing/2014/main" id="{29C5319E-4954-483A-8D58-864D1A6545AC}"/>
+                  <a16:creationId xmlns:a16="http://schemas.microsoft.com/office/drawing/2014/main" id="{9178B2D1-3F17-4447-A081-0EC17FE0BEA7}"/>
                 </a:ext>
               </a:extLst>
             </p:cNvPr>
             <p:cNvPicPr>
-              <a:picLocks noChangeAspect="1" noChangeArrowheads="1"/>
+              <a:picLocks noChangeAspect="1"/>
             </p:cNvPicPr>
             <p:nvPr/>
           </p:nvPicPr>
           <p:blipFill>
-            <a:blip r:embed="rId3">
-              <a:extLst>
-                <a:ext uri="{28A0092B-C50C-407E-A947-70E740481C1C}">
-                  <a14:useLocalDpi xmlns:a14="http://schemas.microsoft.com/office/drawing/2010/main" val="0"/>
-                </a:ext>
-              </a:extLst>
-            </a:blip>
-            <a:srcRect/>
+            <a:blip r:embed="rId3"/>
             <a:stretch>
               <a:fillRect/>
             </a:stretch>
           </p:blipFill>
-          <p:spPr bwMode="auto">
+          <p:spPr>
             <a:xfrm>
-              <a:off x="402034" y="1330523"/>
-              <a:ext cx="10306247" cy="1712625"/>
+              <a:off x="412954" y="1573851"/>
+              <a:ext cx="10783782" cy="1465867"/>
             </a:xfrm>
             <a:prstGeom prst="rect">
               <a:avLst/>
             </a:prstGeom>
-            <a:noFill/>
-            <a:ln w="9525">
-              <a:solidFill>
-                <a:srgbClr val="000000"/>
-              </a:solidFill>
-              <a:miter lim="800000"/>
-              <a:headEnd/>
-              <a:tailEnd/>
-            </a:ln>
-            <a:extLst>
-              <a:ext uri="{909E8E84-426E-40DD-AFC4-6F175D3DCCD1}">
-                <a14:hiddenFill xmlns:a14="http://schemas.microsoft.com/office/drawing/2010/main">
-                  <a:solidFill>
-                    <a:srgbClr val="FFFFFF"/>
-                  </a:solidFill>
-                </a14:hiddenFill>
-              </a:ext>
-            </a:extLst>
           </p:spPr>
         </p:pic>
         <p:sp>
@@ -3706,8 +3652,8 @@
           </p:nvSpPr>
           <p:spPr bwMode="auto">
             <a:xfrm>
-              <a:off x="422284" y="1335537"/>
-              <a:ext cx="10285998" cy="1707611"/>
+              <a:off x="412952" y="1586240"/>
+              <a:ext cx="10783781" cy="1472382"/>
             </a:xfrm>
             <a:prstGeom prst="rect">
               <a:avLst/>
@@ -3883,12 +3829,50 @@
           </p:txBody>
         </p:sp>
       </p:grpSp>
+      <p:sp>
+        <p:nvSpPr>
+          <p:cNvPr id="5" name="Title 1">
+            <a:extLst>
+              <a:ext uri="{FF2B5EF4-FFF2-40B4-BE49-F238E27FC236}">
+                <a16:creationId xmlns:a16="http://schemas.microsoft.com/office/drawing/2014/main" id="{89B38C27-7B5A-443B-9487-5F9EF611B2E8}"/>
+              </a:ext>
+            </a:extLst>
+          </p:cNvPr>
+          <p:cNvSpPr>
+            <a:spLocks noGrp="1"/>
+          </p:cNvSpPr>
+          <p:nvPr>
+            <p:ph type="title"/>
+          </p:nvPr>
+        </p:nvSpPr>
+        <p:spPr>
+          <a:xfrm>
+            <a:off x="1874838" y="152401"/>
+            <a:ext cx="8229600" cy="461963"/>
+          </a:xfrm>
+        </p:spPr>
+        <p:txBody>
+          <a:bodyPr/>
+          <a:lstStyle/>
+          <a:p>
+            <a:pPr algn="ctr">
+              <a:defRPr/>
+            </a:pPr>
+            <a:r>
+              <a:rPr lang="en-US" dirty="0">
+                <a:ea typeface="ＭＳ Ｐゴシック" charset="0"/>
+              </a:rPr>
+              <a:t>Context-based Test Management: Uploading Test Plans</a:t>
+            </a:r>
+          </a:p>
+        </p:txBody>
+      </p:sp>
       <p:grpSp>
         <p:nvGrpSpPr>
-          <p:cNvPr id="8" name="Group 7">
+          <p:cNvPr id="70" name="Group 69">
             <a:extLst>
               <a:ext uri="{FF2B5EF4-FFF2-40B4-BE49-F238E27FC236}">
-                <a16:creationId xmlns:a16="http://schemas.microsoft.com/office/drawing/2014/main" id="{97D3097C-5A53-420A-8C8E-8B50405864DB}"/>
+                <a16:creationId xmlns:a16="http://schemas.microsoft.com/office/drawing/2014/main" id="{21E4FA90-E133-4074-8BF6-CE8532ED40A5}"/>
               </a:ext>
             </a:extLst>
           </p:cNvPr>
@@ -3897,18 +3881,636 @@
         </p:nvGrpSpPr>
         <p:grpSpPr>
           <a:xfrm>
-            <a:off x="580006" y="937320"/>
-            <a:ext cx="2538418" cy="1589634"/>
-            <a:chOff x="580006" y="592087"/>
-            <a:chExt cx="2538418" cy="1589634"/>
+            <a:off x="2857565" y="3988619"/>
+            <a:ext cx="9141395" cy="2135400"/>
+            <a:chOff x="2857565" y="3988619"/>
+            <a:chExt cx="9141395" cy="2135400"/>
+          </a:xfrm>
+        </p:grpSpPr>
+        <p:pic>
+          <p:nvPicPr>
+            <p:cNvPr id="5132" name="Picture 7">
+              <a:extLst>
+                <a:ext uri="{FF2B5EF4-FFF2-40B4-BE49-F238E27FC236}">
+                  <a16:creationId xmlns:a16="http://schemas.microsoft.com/office/drawing/2014/main" id="{60311CB7-4A2A-4100-B09D-402C042F048E}"/>
+                </a:ext>
+              </a:extLst>
+            </p:cNvPr>
+            <p:cNvPicPr>
+              <a:picLocks noChangeAspect="1" noChangeArrowheads="1"/>
+            </p:cNvPicPr>
+            <p:nvPr/>
+          </p:nvPicPr>
+          <p:blipFill>
+            <a:blip r:embed="rId4">
+              <a:extLst>
+                <a:ext uri="{28A0092B-C50C-407E-A947-70E740481C1C}">
+                  <a14:useLocalDpi xmlns:a14="http://schemas.microsoft.com/office/drawing/2010/main" val="0"/>
+                </a:ext>
+              </a:extLst>
+            </a:blip>
+            <a:srcRect/>
+            <a:stretch>
+              <a:fillRect/>
+            </a:stretch>
+          </p:blipFill>
+          <p:spPr bwMode="auto">
+            <a:xfrm>
+              <a:off x="2857565" y="3988619"/>
+              <a:ext cx="9141395" cy="2109977"/>
+            </a:xfrm>
+            <a:prstGeom prst="rect">
+              <a:avLst/>
+            </a:prstGeom>
+            <a:noFill/>
+            <a:ln>
+              <a:noFill/>
+            </a:ln>
+            <a:extLst>
+              <a:ext uri="{909E8E84-426E-40DD-AFC4-6F175D3DCCD1}">
+                <a14:hiddenFill xmlns:a14="http://schemas.microsoft.com/office/drawing/2010/main">
+                  <a:solidFill>
+                    <a:srgbClr val="FFFFFF"/>
+                  </a:solidFill>
+                </a14:hiddenFill>
+              </a:ext>
+              <a:ext uri="{91240B29-F687-4F45-9708-019B960494DF}">
+                <a14:hiddenLine xmlns:a14="http://schemas.microsoft.com/office/drawing/2010/main" w="9525">
+                  <a:solidFill>
+                    <a:srgbClr val="000000"/>
+                  </a:solidFill>
+                  <a:miter lim="800000"/>
+                  <a:headEnd/>
+                  <a:tailEnd/>
+                </a14:hiddenLine>
+              </a:ext>
+            </a:extLst>
+          </p:spPr>
+        </p:pic>
+        <p:sp>
+          <p:nvSpPr>
+            <p:cNvPr id="5133" name="Rectangle 18">
+              <a:extLst>
+                <a:ext uri="{FF2B5EF4-FFF2-40B4-BE49-F238E27FC236}">
+                  <a16:creationId xmlns:a16="http://schemas.microsoft.com/office/drawing/2014/main" id="{2B0E29B8-5CA1-4990-9E0C-C57901F6DF7F}"/>
+                </a:ext>
+              </a:extLst>
+            </p:cNvPr>
+            <p:cNvSpPr>
+              <a:spLocks noChangeArrowheads="1"/>
+            </p:cNvSpPr>
+            <p:nvPr/>
+          </p:nvSpPr>
+          <p:spPr bwMode="auto">
+            <a:xfrm>
+              <a:off x="2857565" y="4002782"/>
+              <a:ext cx="9141395" cy="2121237"/>
+            </a:xfrm>
+            <a:prstGeom prst="rect">
+              <a:avLst/>
+            </a:prstGeom>
+            <a:noFill/>
+            <a:ln w="38100" algn="ctr">
+              <a:solidFill>
+                <a:srgbClr val="C00000"/>
+              </a:solidFill>
+              <a:round/>
+              <a:headEnd/>
+              <a:tailEnd/>
+            </a:ln>
+            <a:extLst/>
+          </p:spPr>
+          <p:txBody>
+            <a:bodyPr/>
+            <a:lstStyle>
+              <a:lvl1pPr>
+                <a:spcBef>
+                  <a:spcPct val="20000"/>
+                </a:spcBef>
+                <a:buChar char="•"/>
+                <a:defRPr sz="2200">
+                  <a:solidFill>
+                    <a:schemeClr val="tx1"/>
+                  </a:solidFill>
+                  <a:latin typeface="Arial" panose="020B0604020202020204" pitchFamily="34" charset="0"/>
+                  <a:ea typeface="ＭＳ Ｐゴシック" panose="020B0600070205080204" pitchFamily="34" charset="-128"/>
+                </a:defRPr>
+              </a:lvl1pPr>
+              <a:lvl2pPr marL="742950" indent="-285750">
+                <a:spcBef>
+                  <a:spcPct val="20000"/>
+                </a:spcBef>
+                <a:buChar char="–"/>
+                <a:defRPr>
+                  <a:solidFill>
+                    <a:schemeClr val="tx1"/>
+                  </a:solidFill>
+                  <a:latin typeface="Arial" panose="020B0604020202020204" pitchFamily="34" charset="0"/>
+                  <a:ea typeface="ＭＳ Ｐゴシック" panose="020B0600070205080204" pitchFamily="34" charset="-128"/>
+                </a:defRPr>
+              </a:lvl2pPr>
+              <a:lvl3pPr marL="1143000" indent="-228600">
+                <a:spcBef>
+                  <a:spcPct val="20000"/>
+                </a:spcBef>
+                <a:buChar char="•"/>
+                <a:defRPr sz="1400">
+                  <a:solidFill>
+                    <a:schemeClr val="tx1"/>
+                  </a:solidFill>
+                  <a:latin typeface="Arial" panose="020B0604020202020204" pitchFamily="34" charset="0"/>
+                  <a:ea typeface="ＭＳ Ｐゴシック" panose="020B0600070205080204" pitchFamily="34" charset="-128"/>
+                </a:defRPr>
+              </a:lvl3pPr>
+              <a:lvl4pPr marL="1600200" indent="-228600">
+                <a:spcBef>
+                  <a:spcPct val="20000"/>
+                </a:spcBef>
+                <a:buChar char="–"/>
+                <a:defRPr sz="1000">
+                  <a:solidFill>
+                    <a:schemeClr val="tx1"/>
+                  </a:solidFill>
+                  <a:latin typeface="Arial" panose="020B0604020202020204" pitchFamily="34" charset="0"/>
+                  <a:ea typeface="ＭＳ Ｐゴシック" panose="020B0600070205080204" pitchFamily="34" charset="-128"/>
+                </a:defRPr>
+              </a:lvl4pPr>
+              <a:lvl5pPr marL="2057400" indent="-228600">
+                <a:spcBef>
+                  <a:spcPct val="20000"/>
+                </a:spcBef>
+                <a:buChar char="»"/>
+                <a:defRPr sz="1000">
+                  <a:solidFill>
+                    <a:schemeClr val="tx1"/>
+                  </a:solidFill>
+                  <a:latin typeface="Arial" panose="020B0604020202020204" pitchFamily="34" charset="0"/>
+                  <a:ea typeface="ＭＳ Ｐゴシック" panose="020B0600070205080204" pitchFamily="34" charset="-128"/>
+                </a:defRPr>
+              </a:lvl5pPr>
+              <a:lvl6pPr marL="2514600" indent="-228600" eaLnBrk="0" fontAlgn="base" hangingPunct="0">
+                <a:spcBef>
+                  <a:spcPct val="20000"/>
+                </a:spcBef>
+                <a:spcAft>
+                  <a:spcPct val="0"/>
+                </a:spcAft>
+                <a:buChar char="»"/>
+                <a:defRPr sz="1000">
+                  <a:solidFill>
+                    <a:schemeClr val="tx1"/>
+                  </a:solidFill>
+                  <a:latin typeface="Arial" panose="020B0604020202020204" pitchFamily="34" charset="0"/>
+                  <a:ea typeface="ＭＳ Ｐゴシック" panose="020B0600070205080204" pitchFamily="34" charset="-128"/>
+                </a:defRPr>
+              </a:lvl6pPr>
+              <a:lvl7pPr marL="2971800" indent="-228600" eaLnBrk="0" fontAlgn="base" hangingPunct="0">
+                <a:spcBef>
+                  <a:spcPct val="20000"/>
+                </a:spcBef>
+                <a:spcAft>
+                  <a:spcPct val="0"/>
+                </a:spcAft>
+                <a:buChar char="»"/>
+                <a:defRPr sz="1000">
+                  <a:solidFill>
+                    <a:schemeClr val="tx1"/>
+                  </a:solidFill>
+                  <a:latin typeface="Arial" panose="020B0604020202020204" pitchFamily="34" charset="0"/>
+                  <a:ea typeface="ＭＳ Ｐゴシック" panose="020B0600070205080204" pitchFamily="34" charset="-128"/>
+                </a:defRPr>
+              </a:lvl7pPr>
+              <a:lvl8pPr marL="3429000" indent="-228600" eaLnBrk="0" fontAlgn="base" hangingPunct="0">
+                <a:spcBef>
+                  <a:spcPct val="20000"/>
+                </a:spcBef>
+                <a:spcAft>
+                  <a:spcPct val="0"/>
+                </a:spcAft>
+                <a:buChar char="»"/>
+                <a:defRPr sz="1000">
+                  <a:solidFill>
+                    <a:schemeClr val="tx1"/>
+                  </a:solidFill>
+                  <a:latin typeface="Arial" panose="020B0604020202020204" pitchFamily="34" charset="0"/>
+                  <a:ea typeface="ＭＳ Ｐゴシック" panose="020B0600070205080204" pitchFamily="34" charset="-128"/>
+                </a:defRPr>
+              </a:lvl8pPr>
+              <a:lvl9pPr marL="3886200" indent="-228600" eaLnBrk="0" fontAlgn="base" hangingPunct="0">
+                <a:spcBef>
+                  <a:spcPct val="20000"/>
+                </a:spcBef>
+                <a:spcAft>
+                  <a:spcPct val="0"/>
+                </a:spcAft>
+                <a:buChar char="»"/>
+                <a:defRPr sz="1000">
+                  <a:solidFill>
+                    <a:schemeClr val="tx1"/>
+                  </a:solidFill>
+                  <a:latin typeface="Arial" panose="020B0604020202020204" pitchFamily="34" charset="0"/>
+                  <a:ea typeface="ＭＳ Ｐゴシック" panose="020B0600070205080204" pitchFamily="34" charset="-128"/>
+                </a:defRPr>
+              </a:lvl9pPr>
+            </a:lstStyle>
+            <a:p>
+              <a:pPr fontAlgn="base">
+                <a:spcBef>
+                  <a:spcPct val="0"/>
+                </a:spcBef>
+                <a:spcAft>
+                  <a:spcPct val="0"/>
+                </a:spcAft>
+                <a:buNone/>
+              </a:pPr>
+              <a:endParaRPr lang="en-US" altLang="en-US" sz="1800" b="1" dirty="0">
+                <a:solidFill>
+                  <a:srgbClr val="000000"/>
+                </a:solidFill>
+              </a:endParaRPr>
+            </a:p>
+          </p:txBody>
+        </p:sp>
+      </p:grpSp>
+      <p:sp>
+        <p:nvSpPr>
+          <p:cNvPr id="21" name="TextBox 20">
+            <a:extLst>
+              <a:ext uri="{FF2B5EF4-FFF2-40B4-BE49-F238E27FC236}">
+                <a16:creationId xmlns:a16="http://schemas.microsoft.com/office/drawing/2014/main" id="{9D010499-6CC8-4F18-A850-8B4944C6E43A}"/>
+              </a:ext>
+            </a:extLst>
+          </p:cNvPr>
+          <p:cNvSpPr txBox="1">
+            <a:spLocks noChangeArrowheads="1"/>
+          </p:cNvSpPr>
+          <p:nvPr/>
+        </p:nvSpPr>
+        <p:spPr bwMode="auto">
+          <a:xfrm>
+            <a:off x="6582800" y="4900306"/>
+            <a:ext cx="3521638" cy="1046440"/>
+          </a:xfrm>
+          <a:prstGeom prst="rect">
+            <a:avLst/>
+          </a:prstGeom>
+          <a:solidFill>
+            <a:srgbClr val="E1F2CE"/>
+          </a:solidFill>
+          <a:ln w="28575">
+            <a:solidFill>
+              <a:schemeClr val="tx1">
+                <a:lumMod val="50000"/>
+                <a:lumOff val="50000"/>
+              </a:schemeClr>
+            </a:solidFill>
+            <a:miter lim="800000"/>
+            <a:headEnd/>
+            <a:tailEnd/>
+          </a:ln>
+        </p:spPr>
+        <p:txBody>
+          <a:bodyPr wrap="square">
+            <a:spAutoFit/>
+          </a:bodyPr>
+          <a:lstStyle>
+            <a:lvl1pPr eaLnBrk="0" hangingPunct="0">
+              <a:defRPr sz="2400" b="1">
+                <a:solidFill>
+                  <a:schemeClr val="tx1"/>
+                </a:solidFill>
+                <a:latin typeface="Arial" charset="0"/>
+                <a:ea typeface="ＭＳ Ｐゴシック" pitchFamily="34" charset="-128"/>
+              </a:defRPr>
+            </a:lvl1pPr>
+            <a:lvl2pPr marL="742950" indent="-285750" eaLnBrk="0" hangingPunct="0">
+              <a:defRPr sz="2400" b="1">
+                <a:solidFill>
+                  <a:schemeClr val="tx1"/>
+                </a:solidFill>
+                <a:latin typeface="Arial" charset="0"/>
+                <a:ea typeface="ＭＳ Ｐゴシック" pitchFamily="34" charset="-128"/>
+              </a:defRPr>
+            </a:lvl2pPr>
+            <a:lvl3pPr marL="1143000" indent="-228600" eaLnBrk="0" hangingPunct="0">
+              <a:defRPr sz="2400" b="1">
+                <a:solidFill>
+                  <a:schemeClr val="tx1"/>
+                </a:solidFill>
+                <a:latin typeface="Arial" charset="0"/>
+                <a:ea typeface="ＭＳ Ｐゴシック" pitchFamily="34" charset="-128"/>
+              </a:defRPr>
+            </a:lvl3pPr>
+            <a:lvl4pPr marL="1600200" indent="-228600" eaLnBrk="0" hangingPunct="0">
+              <a:defRPr sz="2400" b="1">
+                <a:solidFill>
+                  <a:schemeClr val="tx1"/>
+                </a:solidFill>
+                <a:latin typeface="Arial" charset="0"/>
+                <a:ea typeface="ＭＳ Ｐゴシック" pitchFamily="34" charset="-128"/>
+              </a:defRPr>
+            </a:lvl4pPr>
+            <a:lvl5pPr marL="2057400" indent="-228600" eaLnBrk="0" hangingPunct="0">
+              <a:defRPr sz="2400" b="1">
+                <a:solidFill>
+                  <a:schemeClr val="tx1"/>
+                </a:solidFill>
+                <a:latin typeface="Arial" charset="0"/>
+                <a:ea typeface="ＭＳ Ｐゴシック" pitchFamily="34" charset="-128"/>
+              </a:defRPr>
+            </a:lvl5pPr>
+            <a:lvl6pPr marL="2514600" indent="-228600" eaLnBrk="0" fontAlgn="base" hangingPunct="0">
+              <a:spcBef>
+                <a:spcPct val="0"/>
+              </a:spcBef>
+              <a:spcAft>
+                <a:spcPct val="0"/>
+              </a:spcAft>
+              <a:defRPr sz="2400" b="1">
+                <a:solidFill>
+                  <a:schemeClr val="tx1"/>
+                </a:solidFill>
+                <a:latin typeface="Arial" charset="0"/>
+                <a:ea typeface="ＭＳ Ｐゴシック" pitchFamily="34" charset="-128"/>
+              </a:defRPr>
+            </a:lvl6pPr>
+            <a:lvl7pPr marL="2971800" indent="-228600" eaLnBrk="0" fontAlgn="base" hangingPunct="0">
+              <a:spcBef>
+                <a:spcPct val="0"/>
+              </a:spcBef>
+              <a:spcAft>
+                <a:spcPct val="0"/>
+              </a:spcAft>
+              <a:defRPr sz="2400" b="1">
+                <a:solidFill>
+                  <a:schemeClr val="tx1"/>
+                </a:solidFill>
+                <a:latin typeface="Arial" charset="0"/>
+                <a:ea typeface="ＭＳ Ｐゴシック" pitchFamily="34" charset="-128"/>
+              </a:defRPr>
+            </a:lvl7pPr>
+            <a:lvl8pPr marL="3429000" indent="-228600" eaLnBrk="0" fontAlgn="base" hangingPunct="0">
+              <a:spcBef>
+                <a:spcPct val="0"/>
+              </a:spcBef>
+              <a:spcAft>
+                <a:spcPct val="0"/>
+              </a:spcAft>
+              <a:defRPr sz="2400" b="1">
+                <a:solidFill>
+                  <a:schemeClr val="tx1"/>
+                </a:solidFill>
+                <a:latin typeface="Arial" charset="0"/>
+                <a:ea typeface="ＭＳ Ｐゴシック" pitchFamily="34" charset="-128"/>
+              </a:defRPr>
+            </a:lvl8pPr>
+            <a:lvl9pPr marL="3886200" indent="-228600" eaLnBrk="0" fontAlgn="base" hangingPunct="0">
+              <a:spcBef>
+                <a:spcPct val="0"/>
+              </a:spcBef>
+              <a:spcAft>
+                <a:spcPct val="0"/>
+              </a:spcAft>
+              <a:defRPr sz="2400" b="1">
+                <a:solidFill>
+                  <a:schemeClr val="tx1"/>
+                </a:solidFill>
+                <a:latin typeface="Arial" charset="0"/>
+                <a:ea typeface="ＭＳ Ｐゴシック" pitchFamily="34" charset="-128"/>
+              </a:defRPr>
+            </a:lvl9pPr>
+          </a:lstStyle>
+          <a:p>
+            <a:pPr eaLnBrk="1" fontAlgn="base" hangingPunct="1">
+              <a:spcBef>
+                <a:spcPct val="0"/>
+              </a:spcBef>
+              <a:spcAft>
+                <a:spcPct val="0"/>
+              </a:spcAft>
+              <a:defRPr/>
+            </a:pPr>
+            <a:r>
+              <a:rPr lang="en-US" altLang="en-US" sz="900" dirty="0">
+                <a:solidFill>
+                  <a:srgbClr val="000000"/>
+                </a:solidFill>
+              </a:rPr>
+              <a:t>Test Plan Type </a:t>
+            </a:r>
+            <a:r>
+              <a:rPr lang="en-US" altLang="en-US" sz="900" b="0" dirty="0">
+                <a:solidFill>
+                  <a:srgbClr val="000000"/>
+                </a:solidFill>
+              </a:rPr>
+              <a:t>is</a:t>
+            </a:r>
+            <a:r>
+              <a:rPr lang="en-US" altLang="en-US" sz="900" dirty="0">
+                <a:solidFill>
+                  <a:srgbClr val="000000"/>
+                </a:solidFill>
+              </a:rPr>
+              <a:t> </a:t>
+            </a:r>
+            <a:r>
+              <a:rPr lang="en-US" altLang="en-US" sz="900" b="0" dirty="0">
+                <a:solidFill>
+                  <a:srgbClr val="000000"/>
+                </a:solidFill>
+              </a:rPr>
+              <a:t>one of the factors that</a:t>
+            </a:r>
+            <a:r>
+              <a:rPr lang="en-US" altLang="en-US" sz="900" dirty="0">
+                <a:solidFill>
+                  <a:srgbClr val="000000"/>
+                </a:solidFill>
+              </a:rPr>
+              <a:t> </a:t>
+            </a:r>
+            <a:r>
+              <a:rPr lang="en-US" altLang="en-US" sz="900" b="0" dirty="0">
+                <a:solidFill>
+                  <a:srgbClr val="000000"/>
+                </a:solidFill>
+              </a:rPr>
+              <a:t>determines if the Test Plan will be available to all GVT users (</a:t>
+            </a:r>
+            <a:r>
+              <a:rPr lang="en-US" altLang="en-US" sz="900" dirty="0">
+                <a:solidFill>
+                  <a:srgbClr val="000000"/>
+                </a:solidFill>
+              </a:rPr>
+              <a:t>Public</a:t>
+            </a:r>
+            <a:r>
+              <a:rPr lang="en-US" altLang="en-US" sz="900" b="0" dirty="0">
+                <a:solidFill>
+                  <a:srgbClr val="000000"/>
+                </a:solidFill>
+              </a:rPr>
+              <a:t>) or only available to the Test Plan developer or the GVT Account owner (</a:t>
+            </a:r>
+            <a:r>
+              <a:rPr lang="en-US" altLang="en-US" sz="900" dirty="0">
+                <a:solidFill>
+                  <a:srgbClr val="000000"/>
+                </a:solidFill>
+              </a:rPr>
+              <a:t>Private</a:t>
+            </a:r>
+            <a:r>
+              <a:rPr lang="en-US" altLang="en-US" sz="900" b="0" dirty="0">
+                <a:solidFill>
+                  <a:srgbClr val="000000"/>
+                </a:solidFill>
+              </a:rPr>
+              <a:t>)</a:t>
+            </a:r>
+          </a:p>
+          <a:p>
+            <a:pPr eaLnBrk="1" fontAlgn="base" hangingPunct="1">
+              <a:spcBef>
+                <a:spcPct val="0"/>
+              </a:spcBef>
+              <a:spcAft>
+                <a:spcPct val="0"/>
+              </a:spcAft>
+              <a:defRPr/>
+            </a:pPr>
+            <a:endParaRPr lang="en-US" altLang="en-US" sz="800" b="0" dirty="0">
+              <a:solidFill>
+                <a:srgbClr val="000000"/>
+              </a:solidFill>
+            </a:endParaRPr>
+          </a:p>
+          <a:p>
+            <a:pPr eaLnBrk="1" fontAlgn="base" hangingPunct="1">
+              <a:spcBef>
+                <a:spcPct val="0"/>
+              </a:spcBef>
+              <a:spcAft>
+                <a:spcPct val="0"/>
+              </a:spcAft>
+              <a:defRPr/>
+            </a:pPr>
+            <a:r>
+              <a:rPr lang="en-US" altLang="en-US" sz="900" b="0" dirty="0">
+                <a:solidFill>
+                  <a:srgbClr val="000000"/>
+                </a:solidFill>
+              </a:rPr>
+              <a:t>A GVT Account User who is granted the </a:t>
+            </a:r>
+            <a:r>
+              <a:rPr lang="en-US" altLang="en-US" sz="900" dirty="0">
+                <a:solidFill>
+                  <a:srgbClr val="000000"/>
+                </a:solidFill>
+              </a:rPr>
+              <a:t>Publisher</a:t>
+            </a:r>
+            <a:r>
+              <a:rPr lang="en-US" altLang="en-US" sz="900" b="0" dirty="0">
+                <a:solidFill>
+                  <a:srgbClr val="000000"/>
+                </a:solidFill>
+              </a:rPr>
+              <a:t> Role can make the Test Plan Type </a:t>
+            </a:r>
+            <a:r>
+              <a:rPr lang="en-US" altLang="en-US" sz="900" dirty="0">
+                <a:solidFill>
+                  <a:srgbClr val="000000"/>
+                </a:solidFill>
+              </a:rPr>
+              <a:t>Public, </a:t>
+            </a:r>
+            <a:r>
+              <a:rPr lang="en-US" altLang="en-US" sz="900" b="0" dirty="0">
+                <a:solidFill>
+                  <a:srgbClr val="000000"/>
+                </a:solidFill>
+              </a:rPr>
+              <a:t>which will make it available to all GVT users </a:t>
+            </a:r>
+            <a:r>
+              <a:rPr lang="en-US" altLang="en-US" sz="900" b="0" dirty="0">
+                <a:solidFill>
+                  <a:srgbClr val="FF0000"/>
+                </a:solidFill>
+              </a:rPr>
+              <a:t> </a:t>
+            </a:r>
+            <a:r>
+              <a:rPr lang="en-US" altLang="en-US" sz="900" b="0" i="1" dirty="0">
+                <a:solidFill>
+                  <a:srgbClr val="FF0000"/>
+                </a:solidFill>
+              </a:rPr>
+              <a:t>if the </a:t>
+            </a:r>
+            <a:r>
+              <a:rPr lang="en-US" altLang="en-US" sz="900" i="1" dirty="0">
+                <a:solidFill>
+                  <a:srgbClr val="FF0000"/>
+                </a:solidFill>
+              </a:rPr>
+              <a:t>Tool Scope </a:t>
+            </a:r>
+            <a:r>
+              <a:rPr lang="en-US" altLang="en-US" sz="900" b="0" i="1" dirty="0">
+                <a:solidFill>
+                  <a:srgbClr val="FF0000"/>
+                </a:solidFill>
+              </a:rPr>
+              <a:t>is also </a:t>
+            </a:r>
+            <a:r>
+              <a:rPr lang="en-US" altLang="en-US" sz="900" i="1" dirty="0">
+                <a:solidFill>
+                  <a:srgbClr val="FF0000"/>
+                </a:solidFill>
+              </a:rPr>
+              <a:t>Public</a:t>
+            </a:r>
+            <a:endParaRPr lang="en-US" altLang="en-US" sz="800" b="0" i="1" dirty="0">
+              <a:solidFill>
+                <a:srgbClr val="FF0000"/>
+              </a:solidFill>
+            </a:endParaRPr>
+          </a:p>
+        </p:txBody>
+      </p:sp>
+      <p:grpSp>
+        <p:nvGrpSpPr>
+          <p:cNvPr id="9" name="Group 8">
+            <a:extLst>
+              <a:ext uri="{FF2B5EF4-FFF2-40B4-BE49-F238E27FC236}">
+                <a16:creationId xmlns:a16="http://schemas.microsoft.com/office/drawing/2014/main" id="{207FCAF6-B0A6-4F10-9B60-E6B4FA910548}"/>
+              </a:ext>
+            </a:extLst>
+          </p:cNvPr>
+          <p:cNvGrpSpPr/>
+          <p:nvPr/>
+        </p:nvGrpSpPr>
+        <p:grpSpPr>
+          <a:xfrm>
+            <a:off x="7486596" y="809922"/>
+            <a:ext cx="2617842" cy="1616923"/>
+            <a:chOff x="9388072" y="807468"/>
+            <a:chExt cx="2617842" cy="1616923"/>
           </a:xfrm>
         </p:grpSpPr>
         <p:grpSp>
           <p:nvGrpSpPr>
-            <p:cNvPr id="5125" name="Group 10">
+            <p:cNvPr id="5126" name="Group 10">
               <a:extLst>
                 <a:ext uri="{FF2B5EF4-FFF2-40B4-BE49-F238E27FC236}">
-                  <a16:creationId xmlns:a16="http://schemas.microsoft.com/office/drawing/2014/main" id="{D7211D64-AD04-499A-99C6-3138EDABC8E4}"/>
+                  <a16:creationId xmlns:a16="http://schemas.microsoft.com/office/drawing/2014/main" id="{FC9D32AB-7560-4C40-B084-65B329CD7E93}"/>
                 </a:ext>
               </a:extLst>
             </p:cNvPr>
@@ -3919,18 +4521,18 @@
           </p:nvGrpSpPr>
           <p:grpSpPr bwMode="auto">
             <a:xfrm rot="5400000">
-              <a:off x="1617335" y="-445242"/>
-              <a:ext cx="463760" cy="2538418"/>
-              <a:chOff x="8761304" y="7254255"/>
-              <a:chExt cx="354334" cy="1167634"/>
+              <a:off x="10324212" y="-128672"/>
+              <a:ext cx="404796" cy="2277076"/>
+              <a:chOff x="8771171" y="7627762"/>
+              <a:chExt cx="532154" cy="647365"/>
             </a:xfrm>
           </p:grpSpPr>
           <p:sp>
             <p:nvSpPr>
-              <p:cNvPr id="27" name="TextBox 26">
+              <p:cNvPr id="33" name="TextBox 32">
                 <a:extLst>
                   <a:ext uri="{FF2B5EF4-FFF2-40B4-BE49-F238E27FC236}">
-                    <a16:creationId xmlns:a16="http://schemas.microsoft.com/office/drawing/2014/main" id="{7B8F4C46-0452-4FFF-AD32-E9EC2800C8F1}"/>
+                    <a16:creationId xmlns:a16="http://schemas.microsoft.com/office/drawing/2014/main" id="{E92669E2-FEA8-4C69-B835-349039247DCB}"/>
                   </a:ext>
                 </a:extLst>
               </p:cNvPr>
@@ -3941,8 +4543,8 @@
             </p:nvSpPr>
             <p:spPr bwMode="auto">
               <a:xfrm rot="16200000">
-                <a:off x="8422516" y="7665191"/>
-                <a:ext cx="1104057" cy="282186"/>
+                <a:off x="8847772" y="7779858"/>
+                <a:ext cx="607649" cy="303457"/>
               </a:xfrm>
               <a:prstGeom prst="rect">
                 <a:avLst/>
@@ -4091,881 +4693,6 @@
                     <a:latin typeface="Arial" panose="020B0604020202020204" pitchFamily="34" charset="0"/>
                     <a:cs typeface="Arial" panose="020B0604020202020204" pitchFamily="34" charset="0"/>
                   </a:rPr>
-                  <a:t>Using </a:t>
-                </a:r>
-                <a:r>
-                  <a:rPr lang="en-US" altLang="ja-JP" sz="900" dirty="0">
-                    <a:solidFill>
-                      <a:srgbClr val="000000"/>
-                    </a:solidFill>
-                    <a:latin typeface="Arial" panose="020B0604020202020204" pitchFamily="34" charset="0"/>
-                    <a:cs typeface="Arial" panose="020B0604020202020204" pitchFamily="34" charset="0"/>
-                  </a:rPr>
-                  <a:t>Test Management </a:t>
-                </a:r>
-                <a:r>
-                  <a:rPr lang="en-US" altLang="ja-JP" sz="900" b="0" dirty="0">
-                    <a:solidFill>
-                      <a:srgbClr val="000000"/>
-                    </a:solidFill>
-                    <a:latin typeface="Arial" panose="020B0604020202020204" pitchFamily="34" charset="0"/>
-                    <a:cs typeface="Arial" panose="020B0604020202020204" pitchFamily="34" charset="0"/>
-                  </a:rPr>
-                  <a:t>in </a:t>
-                </a:r>
-                <a:r>
-                  <a:rPr lang="en-US" altLang="ja-JP" sz="900" dirty="0">
-                    <a:solidFill>
-                      <a:srgbClr val="000000"/>
-                    </a:solidFill>
-                    <a:latin typeface="Arial" panose="020B0604020202020204" pitchFamily="34" charset="0"/>
-                    <a:cs typeface="Arial" panose="020B0604020202020204" pitchFamily="34" charset="0"/>
-                  </a:rPr>
-                  <a:t>Context-based </a:t>
-                </a:r>
-                <a:r>
-                  <a:rPr lang="en-US" altLang="ja-JP" sz="900" b="0" dirty="0">
-                    <a:solidFill>
-                      <a:srgbClr val="000000"/>
-                    </a:solidFill>
-                    <a:latin typeface="Arial" panose="020B0604020202020204" pitchFamily="34" charset="0"/>
-                    <a:cs typeface="Arial" panose="020B0604020202020204" pitchFamily="34" charset="0"/>
-                  </a:rPr>
-                  <a:t>validation, select a </a:t>
-                </a:r>
-                <a:r>
-                  <a:rPr lang="en-US" altLang="ja-JP" sz="900" dirty="0">
-                    <a:solidFill>
-                      <a:srgbClr val="000000"/>
-                    </a:solidFill>
-                    <a:latin typeface="Arial" panose="020B0604020202020204" pitchFamily="34" charset="0"/>
-                    <a:cs typeface="Arial" panose="020B0604020202020204" pitchFamily="34" charset="0"/>
-                  </a:rPr>
-                  <a:t>Test Plan Type.</a:t>
-                </a:r>
-              </a:p>
-            </p:txBody>
-          </p:sp>
-          <p:sp>
-            <p:nvSpPr>
-              <p:cNvPr id="28" name="Oval 27">
-                <a:extLst>
-                  <a:ext uri="{FF2B5EF4-FFF2-40B4-BE49-F238E27FC236}">
-                    <a16:creationId xmlns:a16="http://schemas.microsoft.com/office/drawing/2014/main" id="{897710C4-4EBE-42E3-8981-8D1C1FD44965}"/>
-                  </a:ext>
-                </a:extLst>
-              </p:cNvPr>
-              <p:cNvSpPr>
-                <a:spLocks noChangeArrowheads="1"/>
-              </p:cNvSpPr>
-              <p:nvPr/>
-            </p:nvSpPr>
-            <p:spPr bwMode="auto">
-              <a:xfrm rot="16200000">
-                <a:off x="8805372" y="8272219"/>
-                <a:ext cx="105602" cy="193737"/>
-              </a:xfrm>
-              <a:prstGeom prst="ellipse">
-                <a:avLst/>
-              </a:prstGeom>
-              <a:solidFill>
-                <a:srgbClr val="002060"/>
-              </a:solidFill>
-              <a:ln w="9525">
-                <a:solidFill>
-                  <a:schemeClr val="bg1"/>
-                </a:solidFill>
-                <a:round/>
-                <a:headEnd/>
-                <a:tailEnd/>
-              </a:ln>
-              <a:effectLst>
-                <a:outerShdw blurRad="50800" dist="38100" dir="5400000" algn="t" rotWithShape="0">
-                  <a:srgbClr val="808080">
-                    <a:alpha val="39998"/>
-                  </a:srgbClr>
-                </a:outerShdw>
-              </a:effectLst>
-            </p:spPr>
-            <p:txBody>
-              <a:bodyPr lIns="0" tIns="0" rIns="0" bIns="0" anchor="ctr"/>
-              <a:lstStyle/>
-              <a:p>
-                <a:pPr algn="ctr" fontAlgn="base">
-                  <a:spcBef>
-                    <a:spcPct val="0"/>
-                  </a:spcBef>
-                  <a:spcAft>
-                    <a:spcPct val="0"/>
-                  </a:spcAft>
-                  <a:defRPr/>
-                </a:pPr>
-                <a:r>
-                  <a:rPr lang="en-US" sz="900" b="1" dirty="0">
-                    <a:solidFill>
-                      <a:srgbClr val="FFFFFF"/>
-                    </a:solidFill>
-                    <a:latin typeface="Franklin Gothic Demi"/>
-                    <a:ea typeface="ＭＳ Ｐゴシック" panose="020B0600070205080204" pitchFamily="34" charset="-128"/>
-                  </a:rPr>
-                  <a:t>1</a:t>
-                </a:r>
-              </a:p>
-            </p:txBody>
-          </p:sp>
-        </p:grpSp>
-        <p:cxnSp>
-          <p:nvCxnSpPr>
-            <p:cNvPr id="5131" name="Straight Connector 58">
-              <a:extLst>
-                <a:ext uri="{FF2B5EF4-FFF2-40B4-BE49-F238E27FC236}">
-                  <a16:creationId xmlns:a16="http://schemas.microsoft.com/office/drawing/2014/main" id="{85FA5FC4-CCB4-419B-BB40-18C36A61258E}"/>
-                </a:ext>
-              </a:extLst>
-            </p:cNvPr>
-            <p:cNvCxnSpPr>
-              <a:cxnSpLocks noChangeShapeType="1"/>
-            </p:cNvCxnSpPr>
-            <p:nvPr/>
-          </p:nvCxnSpPr>
-          <p:spPr bwMode="auto">
-            <a:xfrm>
-              <a:off x="1221692" y="1043436"/>
-              <a:ext cx="0" cy="1138285"/>
-            </a:xfrm>
-            <a:prstGeom prst="line">
-              <a:avLst/>
-            </a:prstGeom>
-            <a:noFill/>
-            <a:ln w="28575">
-              <a:solidFill>
-                <a:srgbClr val="7F7F7F"/>
-              </a:solidFill>
-              <a:round/>
-              <a:headEnd/>
-              <a:tailEnd type="oval" w="med" len="med"/>
-            </a:ln>
-            <a:effectLst/>
-            <a:extLst>
-              <a:ext uri="{909E8E84-426E-40DD-AFC4-6F175D3DCCD1}">
-                <a14:hiddenFill xmlns:a14="http://schemas.microsoft.com/office/drawing/2010/main">
-                  <a:noFill/>
-                </a14:hiddenFill>
-              </a:ext>
-              <a:ext uri="{AF507438-7753-43E0-B8FC-AC1667EBCBE1}">
-                <a14:hiddenEffects xmlns:a14="http://schemas.microsoft.com/office/drawing/2010/main">
-                  <a:effectLst>
-                    <a:outerShdw dist="35921" dir="2700000" algn="ctr" rotWithShape="0">
-                      <a:schemeClr val="bg2"/>
-                    </a:outerShdw>
-                  </a:effectLst>
-                </a14:hiddenEffects>
-              </a:ext>
-            </a:extLst>
-          </p:spPr>
-        </p:cxnSp>
-      </p:grpSp>
-      <p:pic>
-        <p:nvPicPr>
-          <p:cNvPr id="5132" name="Picture 7">
-            <a:extLst>
-              <a:ext uri="{FF2B5EF4-FFF2-40B4-BE49-F238E27FC236}">
-                <a16:creationId xmlns:a16="http://schemas.microsoft.com/office/drawing/2014/main" id="{60311CB7-4A2A-4100-B09D-402C042F048E}"/>
-              </a:ext>
-            </a:extLst>
-          </p:cNvPr>
-          <p:cNvPicPr>
-            <a:picLocks noChangeAspect="1" noChangeArrowheads="1"/>
-          </p:cNvPicPr>
-          <p:nvPr/>
-        </p:nvPicPr>
-        <p:blipFill>
-          <a:blip r:embed="rId4">
-            <a:extLst>
-              <a:ext uri="{28A0092B-C50C-407E-A947-70E740481C1C}">
-                <a14:useLocalDpi xmlns:a14="http://schemas.microsoft.com/office/drawing/2010/main" val="0"/>
-              </a:ext>
-            </a:extLst>
-          </a:blip>
-          <a:srcRect/>
-          <a:stretch>
-            <a:fillRect/>
-          </a:stretch>
-        </p:blipFill>
-        <p:spPr bwMode="auto">
-          <a:xfrm>
-            <a:off x="3121478" y="3512748"/>
-            <a:ext cx="8636042" cy="2109977"/>
-          </a:xfrm>
-          <a:prstGeom prst="rect">
-            <a:avLst/>
-          </a:prstGeom>
-          <a:noFill/>
-          <a:ln>
-            <a:noFill/>
-          </a:ln>
-          <a:extLst>
-            <a:ext uri="{909E8E84-426E-40DD-AFC4-6F175D3DCCD1}">
-              <a14:hiddenFill xmlns:a14="http://schemas.microsoft.com/office/drawing/2010/main">
-                <a:solidFill>
-                  <a:srgbClr val="FFFFFF"/>
-                </a:solidFill>
-              </a14:hiddenFill>
-            </a:ext>
-            <a:ext uri="{91240B29-F687-4F45-9708-019B960494DF}">
-              <a14:hiddenLine xmlns:a14="http://schemas.microsoft.com/office/drawing/2010/main" w="9525">
-                <a:solidFill>
-                  <a:srgbClr val="000000"/>
-                </a:solidFill>
-                <a:miter lim="800000"/>
-                <a:headEnd/>
-                <a:tailEnd/>
-              </a14:hiddenLine>
-            </a:ext>
-          </a:extLst>
-        </p:spPr>
-      </p:pic>
-      <p:sp>
-        <p:nvSpPr>
-          <p:cNvPr id="5133" name="Rectangle 18">
-            <a:extLst>
-              <a:ext uri="{FF2B5EF4-FFF2-40B4-BE49-F238E27FC236}">
-                <a16:creationId xmlns:a16="http://schemas.microsoft.com/office/drawing/2014/main" id="{2B0E29B8-5CA1-4990-9E0C-C57901F6DF7F}"/>
-              </a:ext>
-            </a:extLst>
-          </p:cNvPr>
-          <p:cNvSpPr>
-            <a:spLocks noChangeArrowheads="1"/>
-          </p:cNvSpPr>
-          <p:nvPr/>
-        </p:nvSpPr>
-        <p:spPr bwMode="auto">
-          <a:xfrm>
-            <a:off x="3121478" y="3526911"/>
-            <a:ext cx="8636042" cy="2121237"/>
-          </a:xfrm>
-          <a:prstGeom prst="rect">
-            <a:avLst/>
-          </a:prstGeom>
-          <a:noFill/>
-          <a:ln w="38100" algn="ctr">
-            <a:solidFill>
-              <a:srgbClr val="C00000"/>
-            </a:solidFill>
-            <a:round/>
-            <a:headEnd/>
-            <a:tailEnd/>
-          </a:ln>
-          <a:extLst/>
-        </p:spPr>
-        <p:txBody>
-          <a:bodyPr/>
-          <a:lstStyle>
-            <a:lvl1pPr>
-              <a:spcBef>
-                <a:spcPct val="20000"/>
-              </a:spcBef>
-              <a:buChar char="•"/>
-              <a:defRPr sz="2200">
-                <a:solidFill>
-                  <a:schemeClr val="tx1"/>
-                </a:solidFill>
-                <a:latin typeface="Arial" panose="020B0604020202020204" pitchFamily="34" charset="0"/>
-                <a:ea typeface="ＭＳ Ｐゴシック" panose="020B0600070205080204" pitchFamily="34" charset="-128"/>
-              </a:defRPr>
-            </a:lvl1pPr>
-            <a:lvl2pPr marL="742950" indent="-285750">
-              <a:spcBef>
-                <a:spcPct val="20000"/>
-              </a:spcBef>
-              <a:buChar char="–"/>
-              <a:defRPr>
-                <a:solidFill>
-                  <a:schemeClr val="tx1"/>
-                </a:solidFill>
-                <a:latin typeface="Arial" panose="020B0604020202020204" pitchFamily="34" charset="0"/>
-                <a:ea typeface="ＭＳ Ｐゴシック" panose="020B0600070205080204" pitchFamily="34" charset="-128"/>
-              </a:defRPr>
-            </a:lvl2pPr>
-            <a:lvl3pPr marL="1143000" indent="-228600">
-              <a:spcBef>
-                <a:spcPct val="20000"/>
-              </a:spcBef>
-              <a:buChar char="•"/>
-              <a:defRPr sz="1400">
-                <a:solidFill>
-                  <a:schemeClr val="tx1"/>
-                </a:solidFill>
-                <a:latin typeface="Arial" panose="020B0604020202020204" pitchFamily="34" charset="0"/>
-                <a:ea typeface="ＭＳ Ｐゴシック" panose="020B0600070205080204" pitchFamily="34" charset="-128"/>
-              </a:defRPr>
-            </a:lvl3pPr>
-            <a:lvl4pPr marL="1600200" indent="-228600">
-              <a:spcBef>
-                <a:spcPct val="20000"/>
-              </a:spcBef>
-              <a:buChar char="–"/>
-              <a:defRPr sz="1000">
-                <a:solidFill>
-                  <a:schemeClr val="tx1"/>
-                </a:solidFill>
-                <a:latin typeface="Arial" panose="020B0604020202020204" pitchFamily="34" charset="0"/>
-                <a:ea typeface="ＭＳ Ｐゴシック" panose="020B0600070205080204" pitchFamily="34" charset="-128"/>
-              </a:defRPr>
-            </a:lvl4pPr>
-            <a:lvl5pPr marL="2057400" indent="-228600">
-              <a:spcBef>
-                <a:spcPct val="20000"/>
-              </a:spcBef>
-              <a:buChar char="»"/>
-              <a:defRPr sz="1000">
-                <a:solidFill>
-                  <a:schemeClr val="tx1"/>
-                </a:solidFill>
-                <a:latin typeface="Arial" panose="020B0604020202020204" pitchFamily="34" charset="0"/>
-                <a:ea typeface="ＭＳ Ｐゴシック" panose="020B0600070205080204" pitchFamily="34" charset="-128"/>
-              </a:defRPr>
-            </a:lvl5pPr>
-            <a:lvl6pPr marL="2514600" indent="-228600" eaLnBrk="0" fontAlgn="base" hangingPunct="0">
-              <a:spcBef>
-                <a:spcPct val="20000"/>
-              </a:spcBef>
-              <a:spcAft>
-                <a:spcPct val="0"/>
-              </a:spcAft>
-              <a:buChar char="»"/>
-              <a:defRPr sz="1000">
-                <a:solidFill>
-                  <a:schemeClr val="tx1"/>
-                </a:solidFill>
-                <a:latin typeface="Arial" panose="020B0604020202020204" pitchFamily="34" charset="0"/>
-                <a:ea typeface="ＭＳ Ｐゴシック" panose="020B0600070205080204" pitchFamily="34" charset="-128"/>
-              </a:defRPr>
-            </a:lvl6pPr>
-            <a:lvl7pPr marL="2971800" indent="-228600" eaLnBrk="0" fontAlgn="base" hangingPunct="0">
-              <a:spcBef>
-                <a:spcPct val="20000"/>
-              </a:spcBef>
-              <a:spcAft>
-                <a:spcPct val="0"/>
-              </a:spcAft>
-              <a:buChar char="»"/>
-              <a:defRPr sz="1000">
-                <a:solidFill>
-                  <a:schemeClr val="tx1"/>
-                </a:solidFill>
-                <a:latin typeface="Arial" panose="020B0604020202020204" pitchFamily="34" charset="0"/>
-                <a:ea typeface="ＭＳ Ｐゴシック" panose="020B0600070205080204" pitchFamily="34" charset="-128"/>
-              </a:defRPr>
-            </a:lvl7pPr>
-            <a:lvl8pPr marL="3429000" indent="-228600" eaLnBrk="0" fontAlgn="base" hangingPunct="0">
-              <a:spcBef>
-                <a:spcPct val="20000"/>
-              </a:spcBef>
-              <a:spcAft>
-                <a:spcPct val="0"/>
-              </a:spcAft>
-              <a:buChar char="»"/>
-              <a:defRPr sz="1000">
-                <a:solidFill>
-                  <a:schemeClr val="tx1"/>
-                </a:solidFill>
-                <a:latin typeface="Arial" panose="020B0604020202020204" pitchFamily="34" charset="0"/>
-                <a:ea typeface="ＭＳ Ｐゴシック" panose="020B0600070205080204" pitchFamily="34" charset="-128"/>
-              </a:defRPr>
-            </a:lvl8pPr>
-            <a:lvl9pPr marL="3886200" indent="-228600" eaLnBrk="0" fontAlgn="base" hangingPunct="0">
-              <a:spcBef>
-                <a:spcPct val="20000"/>
-              </a:spcBef>
-              <a:spcAft>
-                <a:spcPct val="0"/>
-              </a:spcAft>
-              <a:buChar char="»"/>
-              <a:defRPr sz="1000">
-                <a:solidFill>
-                  <a:schemeClr val="tx1"/>
-                </a:solidFill>
-                <a:latin typeface="Arial" panose="020B0604020202020204" pitchFamily="34" charset="0"/>
-                <a:ea typeface="ＭＳ Ｐゴシック" panose="020B0600070205080204" pitchFamily="34" charset="-128"/>
-              </a:defRPr>
-            </a:lvl9pPr>
-          </a:lstStyle>
-          <a:p>
-            <a:pPr fontAlgn="base">
-              <a:spcBef>
-                <a:spcPct val="0"/>
-              </a:spcBef>
-              <a:spcAft>
-                <a:spcPct val="0"/>
-              </a:spcAft>
-              <a:buNone/>
-            </a:pPr>
-            <a:endParaRPr lang="en-US" altLang="en-US" sz="1800" b="1" dirty="0">
-              <a:solidFill>
-                <a:srgbClr val="000000"/>
-              </a:solidFill>
-            </a:endParaRPr>
-          </a:p>
-        </p:txBody>
-      </p:sp>
-      <p:sp>
-        <p:nvSpPr>
-          <p:cNvPr id="21" name="TextBox 20">
-            <a:extLst>
-              <a:ext uri="{FF2B5EF4-FFF2-40B4-BE49-F238E27FC236}">
-                <a16:creationId xmlns:a16="http://schemas.microsoft.com/office/drawing/2014/main" id="{9D010499-6CC8-4F18-A850-8B4944C6E43A}"/>
-              </a:ext>
-            </a:extLst>
-          </p:cNvPr>
-          <p:cNvSpPr txBox="1">
-            <a:spLocks noChangeArrowheads="1"/>
-          </p:cNvSpPr>
-          <p:nvPr/>
-        </p:nvSpPr>
-        <p:spPr bwMode="auto">
-          <a:xfrm>
-            <a:off x="778308" y="3398153"/>
-            <a:ext cx="2058735" cy="646331"/>
-          </a:xfrm>
-          <a:prstGeom prst="rect">
-            <a:avLst/>
-          </a:prstGeom>
-          <a:solidFill>
-            <a:srgbClr val="E1F2CE"/>
-          </a:solidFill>
-          <a:ln w="28575">
-            <a:solidFill>
-              <a:schemeClr val="tx1">
-                <a:lumMod val="50000"/>
-                <a:lumOff val="50000"/>
-              </a:schemeClr>
-            </a:solidFill>
-            <a:miter lim="800000"/>
-            <a:headEnd/>
-            <a:tailEnd/>
-          </a:ln>
-        </p:spPr>
-        <p:txBody>
-          <a:bodyPr wrap="square">
-            <a:spAutoFit/>
-          </a:bodyPr>
-          <a:lstStyle>
-            <a:lvl1pPr eaLnBrk="0" hangingPunct="0">
-              <a:defRPr sz="2400" b="1">
-                <a:solidFill>
-                  <a:schemeClr val="tx1"/>
-                </a:solidFill>
-                <a:latin typeface="Arial" charset="0"/>
-                <a:ea typeface="ＭＳ Ｐゴシック" pitchFamily="34" charset="-128"/>
-              </a:defRPr>
-            </a:lvl1pPr>
-            <a:lvl2pPr marL="742950" indent="-285750" eaLnBrk="0" hangingPunct="0">
-              <a:defRPr sz="2400" b="1">
-                <a:solidFill>
-                  <a:schemeClr val="tx1"/>
-                </a:solidFill>
-                <a:latin typeface="Arial" charset="0"/>
-                <a:ea typeface="ＭＳ Ｐゴシック" pitchFamily="34" charset="-128"/>
-              </a:defRPr>
-            </a:lvl2pPr>
-            <a:lvl3pPr marL="1143000" indent="-228600" eaLnBrk="0" hangingPunct="0">
-              <a:defRPr sz="2400" b="1">
-                <a:solidFill>
-                  <a:schemeClr val="tx1"/>
-                </a:solidFill>
-                <a:latin typeface="Arial" charset="0"/>
-                <a:ea typeface="ＭＳ Ｐゴシック" pitchFamily="34" charset="-128"/>
-              </a:defRPr>
-            </a:lvl3pPr>
-            <a:lvl4pPr marL="1600200" indent="-228600" eaLnBrk="0" hangingPunct="0">
-              <a:defRPr sz="2400" b="1">
-                <a:solidFill>
-                  <a:schemeClr val="tx1"/>
-                </a:solidFill>
-                <a:latin typeface="Arial" charset="0"/>
-                <a:ea typeface="ＭＳ Ｐゴシック" pitchFamily="34" charset="-128"/>
-              </a:defRPr>
-            </a:lvl4pPr>
-            <a:lvl5pPr marL="2057400" indent="-228600" eaLnBrk="0" hangingPunct="0">
-              <a:defRPr sz="2400" b="1">
-                <a:solidFill>
-                  <a:schemeClr val="tx1"/>
-                </a:solidFill>
-                <a:latin typeface="Arial" charset="0"/>
-                <a:ea typeface="ＭＳ Ｐゴシック" pitchFamily="34" charset="-128"/>
-              </a:defRPr>
-            </a:lvl5pPr>
-            <a:lvl6pPr marL="2514600" indent="-228600" eaLnBrk="0" fontAlgn="base" hangingPunct="0">
-              <a:spcBef>
-                <a:spcPct val="0"/>
-              </a:spcBef>
-              <a:spcAft>
-                <a:spcPct val="0"/>
-              </a:spcAft>
-              <a:defRPr sz="2400" b="1">
-                <a:solidFill>
-                  <a:schemeClr val="tx1"/>
-                </a:solidFill>
-                <a:latin typeface="Arial" charset="0"/>
-                <a:ea typeface="ＭＳ Ｐゴシック" pitchFamily="34" charset="-128"/>
-              </a:defRPr>
-            </a:lvl6pPr>
-            <a:lvl7pPr marL="2971800" indent="-228600" eaLnBrk="0" fontAlgn="base" hangingPunct="0">
-              <a:spcBef>
-                <a:spcPct val="0"/>
-              </a:spcBef>
-              <a:spcAft>
-                <a:spcPct val="0"/>
-              </a:spcAft>
-              <a:defRPr sz="2400" b="1">
-                <a:solidFill>
-                  <a:schemeClr val="tx1"/>
-                </a:solidFill>
-                <a:latin typeface="Arial" charset="0"/>
-                <a:ea typeface="ＭＳ Ｐゴシック" pitchFamily="34" charset="-128"/>
-              </a:defRPr>
-            </a:lvl7pPr>
-            <a:lvl8pPr marL="3429000" indent="-228600" eaLnBrk="0" fontAlgn="base" hangingPunct="0">
-              <a:spcBef>
-                <a:spcPct val="0"/>
-              </a:spcBef>
-              <a:spcAft>
-                <a:spcPct val="0"/>
-              </a:spcAft>
-              <a:defRPr sz="2400" b="1">
-                <a:solidFill>
-                  <a:schemeClr val="tx1"/>
-                </a:solidFill>
-                <a:latin typeface="Arial" charset="0"/>
-                <a:ea typeface="ＭＳ Ｐゴシック" pitchFamily="34" charset="-128"/>
-              </a:defRPr>
-            </a:lvl8pPr>
-            <a:lvl9pPr marL="3886200" indent="-228600" eaLnBrk="0" fontAlgn="base" hangingPunct="0">
-              <a:spcBef>
-                <a:spcPct val="0"/>
-              </a:spcBef>
-              <a:spcAft>
-                <a:spcPct val="0"/>
-              </a:spcAft>
-              <a:defRPr sz="2400" b="1">
-                <a:solidFill>
-                  <a:schemeClr val="tx1"/>
-                </a:solidFill>
-                <a:latin typeface="Arial" charset="0"/>
-                <a:ea typeface="ＭＳ Ｐゴシック" pitchFamily="34" charset="-128"/>
-              </a:defRPr>
-            </a:lvl9pPr>
-          </a:lstStyle>
-          <a:p>
-            <a:pPr algn="ctr" eaLnBrk="1" fontAlgn="base" hangingPunct="1">
-              <a:spcBef>
-                <a:spcPct val="0"/>
-              </a:spcBef>
-              <a:spcAft>
-                <a:spcPct val="0"/>
-              </a:spcAft>
-              <a:defRPr/>
-            </a:pPr>
-            <a:r>
-              <a:rPr lang="en-US" altLang="en-US" sz="900" b="0" dirty="0">
-                <a:solidFill>
-                  <a:srgbClr val="000000"/>
-                </a:solidFill>
-                <a:highlight>
-                  <a:srgbClr val="FFFF00"/>
-                </a:highlight>
-              </a:rPr>
-              <a:t>If user have a supervisory role, </a:t>
-            </a:r>
-            <a:r>
-              <a:rPr lang="en-US" altLang="en-US" sz="900" b="0" dirty="0">
-                <a:solidFill>
-                  <a:srgbClr val="000000"/>
-                </a:solidFill>
-              </a:rPr>
-              <a:t>making the Test Plan </a:t>
-            </a:r>
-            <a:r>
-              <a:rPr lang="en-US" altLang="en-US" sz="900" dirty="0">
-                <a:solidFill>
-                  <a:srgbClr val="000000"/>
-                </a:solidFill>
-              </a:rPr>
-              <a:t>Public</a:t>
-            </a:r>
-            <a:r>
-              <a:rPr lang="en-US" altLang="en-US" sz="900" b="0" dirty="0">
-                <a:solidFill>
-                  <a:srgbClr val="000000"/>
-                </a:solidFill>
-              </a:rPr>
-              <a:t> will make it available to all GVT users </a:t>
-            </a:r>
-            <a:r>
-              <a:rPr lang="en-US" altLang="en-US" sz="900" dirty="0">
-                <a:solidFill>
-                  <a:srgbClr val="000000"/>
-                </a:solidFill>
-              </a:rPr>
-              <a:t>if</a:t>
-            </a:r>
-            <a:r>
-              <a:rPr lang="en-US" altLang="en-US" sz="900" b="0" dirty="0">
-                <a:solidFill>
-                  <a:srgbClr val="000000"/>
-                </a:solidFill>
-              </a:rPr>
-              <a:t> the </a:t>
-            </a:r>
-            <a:r>
-              <a:rPr lang="en-US" altLang="en-US" sz="900" dirty="0">
-                <a:solidFill>
-                  <a:srgbClr val="000000"/>
-                </a:solidFill>
-              </a:rPr>
-              <a:t>Tool Scope </a:t>
-            </a:r>
-            <a:r>
-              <a:rPr lang="en-US" altLang="en-US" sz="900" b="0" dirty="0">
-                <a:solidFill>
-                  <a:srgbClr val="000000"/>
-                </a:solidFill>
-              </a:rPr>
-              <a:t>is also </a:t>
-            </a:r>
-            <a:r>
-              <a:rPr lang="en-US" altLang="en-US" sz="900" dirty="0">
-                <a:solidFill>
-                  <a:srgbClr val="000000"/>
-                </a:solidFill>
-              </a:rPr>
-              <a:t>Public</a:t>
-            </a:r>
-            <a:r>
-              <a:rPr lang="en-US" altLang="en-US" sz="900" b="0" dirty="0">
-                <a:solidFill>
-                  <a:srgbClr val="000000"/>
-                </a:solidFill>
-              </a:rPr>
-              <a:t>. </a:t>
-            </a:r>
-            <a:endParaRPr lang="en-US" altLang="en-US" sz="800" b="0" dirty="0">
-              <a:solidFill>
-                <a:srgbClr val="000000"/>
-              </a:solidFill>
-            </a:endParaRPr>
-          </a:p>
-        </p:txBody>
-      </p:sp>
-      <p:grpSp>
-        <p:nvGrpSpPr>
-          <p:cNvPr id="9" name="Group 8">
-            <a:extLst>
-              <a:ext uri="{FF2B5EF4-FFF2-40B4-BE49-F238E27FC236}">
-                <a16:creationId xmlns:a16="http://schemas.microsoft.com/office/drawing/2014/main" id="{207FCAF6-B0A6-4F10-9B60-E6B4FA910548}"/>
-              </a:ext>
-            </a:extLst>
-          </p:cNvPr>
-          <p:cNvGrpSpPr/>
-          <p:nvPr/>
-        </p:nvGrpSpPr>
-        <p:grpSpPr>
-          <a:xfrm>
-            <a:off x="8910586" y="1059628"/>
-            <a:ext cx="1909762" cy="1498410"/>
-            <a:chOff x="8910586" y="714395"/>
-            <a:chExt cx="1909762" cy="1498410"/>
-          </a:xfrm>
-        </p:grpSpPr>
-        <p:grpSp>
-          <p:nvGrpSpPr>
-            <p:cNvPr id="5126" name="Group 10">
-              <a:extLst>
-                <a:ext uri="{FF2B5EF4-FFF2-40B4-BE49-F238E27FC236}">
-                  <a16:creationId xmlns:a16="http://schemas.microsoft.com/office/drawing/2014/main" id="{FC9D32AB-7560-4C40-B084-65B329CD7E93}"/>
-                </a:ext>
-              </a:extLst>
-            </p:cNvPr>
-            <p:cNvGrpSpPr>
-              <a:grpSpLocks/>
-            </p:cNvGrpSpPr>
-            <p:nvPr/>
-          </p:nvGrpSpPr>
-          <p:grpSpPr bwMode="auto">
-            <a:xfrm rot="5400000">
-              <a:off x="9680201" y="-55220"/>
-              <a:ext cx="370532" cy="1909762"/>
-              <a:chOff x="8648818" y="7867937"/>
-              <a:chExt cx="487110" cy="542939"/>
-            </a:xfrm>
-          </p:grpSpPr>
-          <p:sp>
-            <p:nvSpPr>
-              <p:cNvPr id="33" name="TextBox 32">
-                <a:extLst>
-                  <a:ext uri="{FF2B5EF4-FFF2-40B4-BE49-F238E27FC236}">
-                    <a16:creationId xmlns:a16="http://schemas.microsoft.com/office/drawing/2014/main" id="{E92669E2-FEA8-4C69-B835-349039247DCB}"/>
-                  </a:ext>
-                </a:extLst>
-              </p:cNvPr>
-              <p:cNvSpPr txBox="1">
-                <a:spLocks noChangeArrowheads="1"/>
-              </p:cNvSpPr>
-              <p:nvPr/>
-            </p:nvSpPr>
-            <p:spPr bwMode="auto">
-              <a:xfrm rot="16200000">
-                <a:off x="8737102" y="7963306"/>
-                <a:ext cx="494196" cy="303457"/>
-              </a:xfrm>
-              <a:prstGeom prst="rect">
-                <a:avLst/>
-              </a:prstGeom>
-              <a:solidFill>
-                <a:srgbClr val="F2EECE"/>
-              </a:solidFill>
-              <a:ln w="28575">
-                <a:solidFill>
-                  <a:schemeClr val="tx1">
-                    <a:lumMod val="50000"/>
-                    <a:lumOff val="50000"/>
-                  </a:schemeClr>
-                </a:solidFill>
-                <a:miter lim="800000"/>
-                <a:headEnd/>
-                <a:tailEnd/>
-              </a:ln>
-            </p:spPr>
-            <p:txBody>
-              <a:bodyPr>
-                <a:spAutoFit/>
-              </a:bodyPr>
-              <a:lstStyle>
-                <a:lvl1pPr eaLnBrk="0" hangingPunct="0">
-                  <a:defRPr sz="2400" b="1">
-                    <a:solidFill>
-                      <a:schemeClr val="tx1"/>
-                    </a:solidFill>
-                    <a:latin typeface="Arial" charset="0"/>
-                    <a:ea typeface="ＭＳ Ｐゴシック" pitchFamily="34" charset="-128"/>
-                  </a:defRPr>
-                </a:lvl1pPr>
-                <a:lvl2pPr marL="742950" indent="-285750" eaLnBrk="0" hangingPunct="0">
-                  <a:defRPr sz="2400" b="1">
-                    <a:solidFill>
-                      <a:schemeClr val="tx1"/>
-                    </a:solidFill>
-                    <a:latin typeface="Arial" charset="0"/>
-                    <a:ea typeface="ＭＳ Ｐゴシック" pitchFamily="34" charset="-128"/>
-                  </a:defRPr>
-                </a:lvl2pPr>
-                <a:lvl3pPr marL="1143000" indent="-228600" eaLnBrk="0" hangingPunct="0">
-                  <a:defRPr sz="2400" b="1">
-                    <a:solidFill>
-                      <a:schemeClr val="tx1"/>
-                    </a:solidFill>
-                    <a:latin typeface="Arial" charset="0"/>
-                    <a:ea typeface="ＭＳ Ｐゴシック" pitchFamily="34" charset="-128"/>
-                  </a:defRPr>
-                </a:lvl3pPr>
-                <a:lvl4pPr marL="1600200" indent="-228600" eaLnBrk="0" hangingPunct="0">
-                  <a:defRPr sz="2400" b="1">
-                    <a:solidFill>
-                      <a:schemeClr val="tx1"/>
-                    </a:solidFill>
-                    <a:latin typeface="Arial" charset="0"/>
-                    <a:ea typeface="ＭＳ Ｐゴシック" pitchFamily="34" charset="-128"/>
-                  </a:defRPr>
-                </a:lvl4pPr>
-                <a:lvl5pPr marL="2057400" indent="-228600" eaLnBrk="0" hangingPunct="0">
-                  <a:defRPr sz="2400" b="1">
-                    <a:solidFill>
-                      <a:schemeClr val="tx1"/>
-                    </a:solidFill>
-                    <a:latin typeface="Arial" charset="0"/>
-                    <a:ea typeface="ＭＳ Ｐゴシック" pitchFamily="34" charset="-128"/>
-                  </a:defRPr>
-                </a:lvl5pPr>
-                <a:lvl6pPr marL="2514600" indent="-228600" eaLnBrk="0" fontAlgn="base" hangingPunct="0">
-                  <a:spcBef>
-                    <a:spcPct val="0"/>
-                  </a:spcBef>
-                  <a:spcAft>
-                    <a:spcPct val="0"/>
-                  </a:spcAft>
-                  <a:defRPr sz="2400" b="1">
-                    <a:solidFill>
-                      <a:schemeClr val="tx1"/>
-                    </a:solidFill>
-                    <a:latin typeface="Arial" charset="0"/>
-                    <a:ea typeface="ＭＳ Ｐゴシック" pitchFamily="34" charset="-128"/>
-                  </a:defRPr>
-                </a:lvl6pPr>
-                <a:lvl7pPr marL="2971800" indent="-228600" eaLnBrk="0" fontAlgn="base" hangingPunct="0">
-                  <a:spcBef>
-                    <a:spcPct val="0"/>
-                  </a:spcBef>
-                  <a:spcAft>
-                    <a:spcPct val="0"/>
-                  </a:spcAft>
-                  <a:defRPr sz="2400" b="1">
-                    <a:solidFill>
-                      <a:schemeClr val="tx1"/>
-                    </a:solidFill>
-                    <a:latin typeface="Arial" charset="0"/>
-                    <a:ea typeface="ＭＳ Ｐゴシック" pitchFamily="34" charset="-128"/>
-                  </a:defRPr>
-                </a:lvl7pPr>
-                <a:lvl8pPr marL="3429000" indent="-228600" eaLnBrk="0" fontAlgn="base" hangingPunct="0">
-                  <a:spcBef>
-                    <a:spcPct val="0"/>
-                  </a:spcBef>
-                  <a:spcAft>
-                    <a:spcPct val="0"/>
-                  </a:spcAft>
-                  <a:defRPr sz="2400" b="1">
-                    <a:solidFill>
-                      <a:schemeClr val="tx1"/>
-                    </a:solidFill>
-                    <a:latin typeface="Arial" charset="0"/>
-                    <a:ea typeface="ＭＳ Ｐゴシック" pitchFamily="34" charset="-128"/>
-                  </a:defRPr>
-                </a:lvl8pPr>
-                <a:lvl9pPr marL="3886200" indent="-228600" eaLnBrk="0" fontAlgn="base" hangingPunct="0">
-                  <a:spcBef>
-                    <a:spcPct val="0"/>
-                  </a:spcBef>
-                  <a:spcAft>
-                    <a:spcPct val="0"/>
-                  </a:spcAft>
-                  <a:defRPr sz="2400" b="1">
-                    <a:solidFill>
-                      <a:schemeClr val="tx1"/>
-                    </a:solidFill>
-                    <a:latin typeface="Arial" charset="0"/>
-                    <a:ea typeface="ＭＳ Ｐゴシック" pitchFamily="34" charset="-128"/>
-                  </a:defRPr>
-                </a:lvl9pPr>
-              </a:lstStyle>
-              <a:p>
-                <a:pPr eaLnBrk="1" fontAlgn="base" hangingPunct="1">
-                  <a:spcBef>
-                    <a:spcPct val="0"/>
-                  </a:spcBef>
-                  <a:spcAft>
-                    <a:spcPct val="0"/>
-                  </a:spcAft>
-                  <a:defRPr/>
-                </a:pPr>
-                <a:r>
-                  <a:rPr lang="en-US" altLang="ja-JP" sz="900" b="0" dirty="0">
-                    <a:solidFill>
-                      <a:srgbClr val="000000"/>
-                    </a:solidFill>
-                    <a:latin typeface="Arial" panose="020B0604020202020204" pitchFamily="34" charset="0"/>
-                    <a:cs typeface="Arial" panose="020B0604020202020204" pitchFamily="34" charset="0"/>
-                  </a:rPr>
                   <a:t>Click </a:t>
                 </a:r>
                 <a:r>
@@ -4976,7 +4703,17 @@
                     <a:latin typeface="Arial" panose="020B0604020202020204" pitchFamily="34" charset="0"/>
                     <a:cs typeface="Arial" panose="020B0604020202020204" pitchFamily="34" charset="0"/>
                   </a:rPr>
-                  <a:t>Upload Test Plan (.Zip).</a:t>
+                  <a:t>Upload Test Plan (.Zip) </a:t>
+                </a:r>
+                <a:r>
+                  <a:rPr lang="en-US" altLang="ja-JP" sz="900" b="0" dirty="0">
+                    <a:solidFill>
+                      <a:srgbClr val="000000"/>
+                    </a:solidFill>
+                    <a:latin typeface="Arial" panose="020B0604020202020204" pitchFamily="34" charset="0"/>
+                    <a:cs typeface="Arial" panose="020B0604020202020204" pitchFamily="34" charset="0"/>
+                  </a:rPr>
+                  <a:t>button</a:t>
                 </a:r>
               </a:p>
             </p:txBody>
@@ -4997,7 +4734,7 @@
             </p:nvSpPr>
             <p:spPr bwMode="auto">
               <a:xfrm rot="16200000">
-                <a:off x="8791711" y="8188551"/>
+                <a:off x="8914064" y="8052802"/>
                 <a:ext cx="79432" cy="365218"/>
               </a:xfrm>
               <a:prstGeom prst="ellipse">
@@ -5065,8 +4802,8 @@
           </p:nvCxnSpPr>
           <p:spPr bwMode="auto">
             <a:xfrm>
-              <a:off x="10036620" y="1074520"/>
-              <a:ext cx="0" cy="1138285"/>
+              <a:off x="11361194" y="2420415"/>
+              <a:ext cx="644720" cy="3976"/>
             </a:xfrm>
             <a:prstGeom prst="line">
               <a:avLst/>
@@ -5116,8 +4853,8 @@
         </p:nvCxnSpPr>
         <p:spPr bwMode="auto">
           <a:xfrm>
-            <a:off x="2632505" y="4654798"/>
-            <a:ext cx="581731" cy="0"/>
+            <a:off x="2641996" y="5373265"/>
+            <a:ext cx="336335" cy="0"/>
           </a:xfrm>
           <a:prstGeom prst="line">
             <a:avLst/>
@@ -5166,10 +4903,10 @@
         </p:nvGrpSpPr>
         <p:grpSpPr bwMode="auto">
           <a:xfrm rot="5400000">
-            <a:off x="980378" y="3574246"/>
-            <a:ext cx="1191854" cy="2112427"/>
-            <a:chOff x="8583008" y="7236786"/>
-            <a:chExt cx="951086" cy="1199058"/>
+            <a:off x="890840" y="3734971"/>
+            <a:ext cx="1053357" cy="2448955"/>
+            <a:chOff x="8583007" y="7236785"/>
+            <a:chExt cx="840567" cy="1390078"/>
           </a:xfrm>
         </p:grpSpPr>
         <p:sp>
@@ -5188,8 +4925,8 @@
           </p:nvSpPr>
           <p:spPr bwMode="auto">
             <a:xfrm rot="16200000">
-              <a:off x="8548740" y="7374813"/>
-              <a:ext cx="1123382" cy="847327"/>
+              <a:off x="8403383" y="7520169"/>
+              <a:ext cx="1303575" cy="736807"/>
             </a:xfrm>
             <a:prstGeom prst="rect">
               <a:avLst/>
@@ -5338,7 +5075,7 @@
                   <a:latin typeface="Arial" panose="020B0604020202020204" pitchFamily="34" charset="0"/>
                   <a:cs typeface="Arial" panose="020B0604020202020204" pitchFamily="34" charset="0"/>
                 </a:rPr>
-                <a:t>Test Plan is loaded:</a:t>
+                <a:t>View Test Plan that was uploaded:</a:t>
               </a:r>
             </a:p>
             <a:p>
@@ -5414,7 +5151,7 @@
                   <a:latin typeface="Arial" panose="020B0604020202020204" pitchFamily="34" charset="0"/>
                   <a:cs typeface="Arial" panose="020B0604020202020204" pitchFamily="34" charset="0"/>
                 </a:rPr>
-                <a:t>in the uploaded Test plan are brought into the </a:t>
+                <a:t>in the uploaded Test plan are displayed in the </a:t>
               </a:r>
               <a:r>
                 <a:rPr lang="en-US" altLang="ja-JP" sz="900" dirty="0">
@@ -5424,7 +5161,17 @@
                   <a:latin typeface="Arial" panose="020B0604020202020204" pitchFamily="34" charset="0"/>
                   <a:cs typeface="Arial" panose="020B0604020202020204" pitchFamily="34" charset="0"/>
                 </a:rPr>
-                <a:t>Test Cases panel</a:t>
+                <a:t>Test Cases </a:t>
+              </a:r>
+              <a:r>
+                <a:rPr lang="en-US" altLang="ja-JP" sz="900" b="0" dirty="0">
+                  <a:solidFill>
+                    <a:srgbClr val="000000"/>
+                  </a:solidFill>
+                  <a:latin typeface="Arial" panose="020B0604020202020204" pitchFamily="34" charset="0"/>
+                  <a:cs typeface="Arial" panose="020B0604020202020204" pitchFamily="34" charset="0"/>
+                </a:rPr>
+                <a:t>panel</a:t>
               </a:r>
             </a:p>
           </p:txBody>
@@ -5445,8 +5192,8 @@
           </p:nvSpPr>
           <p:spPr bwMode="auto">
             <a:xfrm rot="16200000">
-              <a:off x="8621802" y="8267119"/>
-              <a:ext cx="129931" cy="207520"/>
+              <a:off x="8618244" y="8454581"/>
+              <a:ext cx="137045" cy="207520"/>
             </a:xfrm>
             <a:prstGeom prst="ellipse">
               <a:avLst/>
@@ -5513,8 +5260,8 @@
         </p:nvCxnSpPr>
         <p:spPr bwMode="auto">
           <a:xfrm>
-            <a:off x="2632505" y="4228701"/>
-            <a:ext cx="2413641" cy="0"/>
+            <a:off x="2623993" y="4729554"/>
+            <a:ext cx="2303317" cy="0"/>
           </a:xfrm>
           <a:prstGeom prst="line">
             <a:avLst/>
@@ -5547,220 +5294,241 @@
           </a:extLst>
         </p:spPr>
       </p:cxnSp>
-      <p:pic>
-        <p:nvPicPr>
-          <p:cNvPr id="2" name="Picture 1">
+      <p:grpSp>
+        <p:nvGrpSpPr>
+          <p:cNvPr id="71" name="Group 70">
             <a:extLst>
               <a:ext uri="{FF2B5EF4-FFF2-40B4-BE49-F238E27FC236}">
-                <a16:creationId xmlns:a16="http://schemas.microsoft.com/office/drawing/2014/main" id="{7B29B61C-2BDB-4536-AFF5-C2CBD83EA8EE}"/>
+                <a16:creationId xmlns:a16="http://schemas.microsoft.com/office/drawing/2014/main" id="{8E5CD2B6-E147-464E-8809-2799BBFECF53}"/>
               </a:ext>
             </a:extLst>
           </p:cNvPr>
-          <p:cNvPicPr>
-            <a:picLocks noChangeAspect="1"/>
-          </p:cNvPicPr>
+          <p:cNvGrpSpPr/>
           <p:nvPr/>
-        </p:nvPicPr>
-        <p:blipFill>
-          <a:blip r:embed="rId5"/>
-          <a:stretch>
-            <a:fillRect/>
-          </a:stretch>
-        </p:blipFill>
-        <p:spPr>
+        </p:nvGrpSpPr>
+        <p:grpSpPr>
           <a:xfrm>
-            <a:off x="3121477" y="2444266"/>
-            <a:ext cx="6563699" cy="914396"/>
+            <a:off x="3148635" y="2646085"/>
+            <a:ext cx="7805497" cy="1125043"/>
+            <a:chOff x="3148635" y="2646085"/>
+            <a:chExt cx="7805497" cy="1125043"/>
           </a:xfrm>
-          <a:prstGeom prst="rect">
-            <a:avLst/>
-          </a:prstGeom>
-        </p:spPr>
-      </p:pic>
-      <p:sp>
-        <p:nvSpPr>
-          <p:cNvPr id="31" name="Rectangle 18">
-            <a:extLst>
-              <a:ext uri="{FF2B5EF4-FFF2-40B4-BE49-F238E27FC236}">
-                <a16:creationId xmlns:a16="http://schemas.microsoft.com/office/drawing/2014/main" id="{68E10FF6-1684-4962-AB9F-0600EF415084}"/>
-              </a:ext>
-            </a:extLst>
-          </p:cNvPr>
-          <p:cNvSpPr>
-            <a:spLocks noChangeArrowheads="1"/>
-          </p:cNvSpPr>
-          <p:nvPr/>
-        </p:nvSpPr>
-        <p:spPr bwMode="auto">
-          <a:xfrm>
-            <a:off x="3118421" y="2448312"/>
-            <a:ext cx="6569419" cy="883070"/>
-          </a:xfrm>
-          <a:prstGeom prst="rect">
-            <a:avLst/>
-          </a:prstGeom>
-          <a:noFill/>
-          <a:ln w="38100" algn="ctr">
-            <a:solidFill>
-              <a:srgbClr val="C00000"/>
-            </a:solidFill>
-            <a:round/>
-            <a:headEnd/>
-            <a:tailEnd/>
-          </a:ln>
-          <a:extLst/>
-        </p:spPr>
-        <p:txBody>
-          <a:bodyPr/>
-          <a:lstStyle>
-            <a:lvl1pPr>
-              <a:spcBef>
-                <a:spcPct val="20000"/>
-              </a:spcBef>
-              <a:buChar char="•"/>
-              <a:defRPr sz="2200">
+        </p:grpSpPr>
+        <p:pic>
+          <p:nvPicPr>
+            <p:cNvPr id="47" name="Picture 46">
+              <a:extLst>
+                <a:ext uri="{FF2B5EF4-FFF2-40B4-BE49-F238E27FC236}">
+                  <a16:creationId xmlns:a16="http://schemas.microsoft.com/office/drawing/2014/main" id="{594E92C6-6F13-452E-AFA6-61602BD3BBE6}"/>
+                </a:ext>
+              </a:extLst>
+            </p:cNvPr>
+            <p:cNvPicPr>
+              <a:picLocks noChangeAspect="1"/>
+            </p:cNvPicPr>
+            <p:nvPr/>
+          </p:nvPicPr>
+          <p:blipFill>
+            <a:blip r:embed="rId5"/>
+            <a:stretch>
+              <a:fillRect/>
+            </a:stretch>
+          </p:blipFill>
+          <p:spPr>
+            <a:xfrm>
+              <a:off x="3148635" y="2646085"/>
+              <a:ext cx="7805497" cy="1125043"/>
+            </a:xfrm>
+            <a:prstGeom prst="rect">
+              <a:avLst/>
+            </a:prstGeom>
+          </p:spPr>
+        </p:pic>
+        <p:sp>
+          <p:nvSpPr>
+            <p:cNvPr id="31" name="Rectangle 18">
+              <a:extLst>
+                <a:ext uri="{FF2B5EF4-FFF2-40B4-BE49-F238E27FC236}">
+                  <a16:creationId xmlns:a16="http://schemas.microsoft.com/office/drawing/2014/main" id="{68E10FF6-1684-4962-AB9F-0600EF415084}"/>
+                </a:ext>
+              </a:extLst>
+            </p:cNvPr>
+            <p:cNvSpPr>
+              <a:spLocks noChangeArrowheads="1"/>
+            </p:cNvSpPr>
+            <p:nvPr/>
+          </p:nvSpPr>
+          <p:spPr bwMode="auto">
+            <a:xfrm>
+              <a:off x="3165770" y="2646154"/>
+              <a:ext cx="7788362" cy="1114488"/>
+            </a:xfrm>
+            <a:prstGeom prst="rect">
+              <a:avLst/>
+            </a:prstGeom>
+            <a:noFill/>
+            <a:ln w="38100" algn="ctr">
+              <a:solidFill>
+                <a:srgbClr val="C00000"/>
+              </a:solidFill>
+              <a:round/>
+              <a:headEnd/>
+              <a:tailEnd/>
+            </a:ln>
+            <a:extLst/>
+          </p:spPr>
+          <p:txBody>
+            <a:bodyPr/>
+            <a:lstStyle>
+              <a:lvl1pPr>
+                <a:spcBef>
+                  <a:spcPct val="20000"/>
+                </a:spcBef>
+                <a:buChar char="•"/>
+                <a:defRPr sz="2200">
+                  <a:solidFill>
+                    <a:schemeClr val="tx1"/>
+                  </a:solidFill>
+                  <a:latin typeface="Arial" panose="020B0604020202020204" pitchFamily="34" charset="0"/>
+                  <a:ea typeface="ＭＳ Ｐゴシック" panose="020B0600070205080204" pitchFamily="34" charset="-128"/>
+                </a:defRPr>
+              </a:lvl1pPr>
+              <a:lvl2pPr marL="742950" indent="-285750">
+                <a:spcBef>
+                  <a:spcPct val="20000"/>
+                </a:spcBef>
+                <a:buChar char="–"/>
+                <a:defRPr>
+                  <a:solidFill>
+                    <a:schemeClr val="tx1"/>
+                  </a:solidFill>
+                  <a:latin typeface="Arial" panose="020B0604020202020204" pitchFamily="34" charset="0"/>
+                  <a:ea typeface="ＭＳ Ｐゴシック" panose="020B0600070205080204" pitchFamily="34" charset="-128"/>
+                </a:defRPr>
+              </a:lvl2pPr>
+              <a:lvl3pPr marL="1143000" indent="-228600">
+                <a:spcBef>
+                  <a:spcPct val="20000"/>
+                </a:spcBef>
+                <a:buChar char="•"/>
+                <a:defRPr sz="1400">
+                  <a:solidFill>
+                    <a:schemeClr val="tx1"/>
+                  </a:solidFill>
+                  <a:latin typeface="Arial" panose="020B0604020202020204" pitchFamily="34" charset="0"/>
+                  <a:ea typeface="ＭＳ Ｐゴシック" panose="020B0600070205080204" pitchFamily="34" charset="-128"/>
+                </a:defRPr>
+              </a:lvl3pPr>
+              <a:lvl4pPr marL="1600200" indent="-228600">
+                <a:spcBef>
+                  <a:spcPct val="20000"/>
+                </a:spcBef>
+                <a:buChar char="–"/>
+                <a:defRPr sz="1000">
+                  <a:solidFill>
+                    <a:schemeClr val="tx1"/>
+                  </a:solidFill>
+                  <a:latin typeface="Arial" panose="020B0604020202020204" pitchFamily="34" charset="0"/>
+                  <a:ea typeface="ＭＳ Ｐゴシック" panose="020B0600070205080204" pitchFamily="34" charset="-128"/>
+                </a:defRPr>
+              </a:lvl4pPr>
+              <a:lvl5pPr marL="2057400" indent="-228600">
+                <a:spcBef>
+                  <a:spcPct val="20000"/>
+                </a:spcBef>
+                <a:buChar char="»"/>
+                <a:defRPr sz="1000">
+                  <a:solidFill>
+                    <a:schemeClr val="tx1"/>
+                  </a:solidFill>
+                  <a:latin typeface="Arial" panose="020B0604020202020204" pitchFamily="34" charset="0"/>
+                  <a:ea typeface="ＭＳ Ｐゴシック" panose="020B0600070205080204" pitchFamily="34" charset="-128"/>
+                </a:defRPr>
+              </a:lvl5pPr>
+              <a:lvl6pPr marL="2514600" indent="-228600" eaLnBrk="0" fontAlgn="base" hangingPunct="0">
+                <a:spcBef>
+                  <a:spcPct val="20000"/>
+                </a:spcBef>
+                <a:spcAft>
+                  <a:spcPct val="0"/>
+                </a:spcAft>
+                <a:buChar char="»"/>
+                <a:defRPr sz="1000">
+                  <a:solidFill>
+                    <a:schemeClr val="tx1"/>
+                  </a:solidFill>
+                  <a:latin typeface="Arial" panose="020B0604020202020204" pitchFamily="34" charset="0"/>
+                  <a:ea typeface="ＭＳ Ｐゴシック" panose="020B0600070205080204" pitchFamily="34" charset="-128"/>
+                </a:defRPr>
+              </a:lvl6pPr>
+              <a:lvl7pPr marL="2971800" indent="-228600" eaLnBrk="0" fontAlgn="base" hangingPunct="0">
+                <a:spcBef>
+                  <a:spcPct val="20000"/>
+                </a:spcBef>
+                <a:spcAft>
+                  <a:spcPct val="0"/>
+                </a:spcAft>
+                <a:buChar char="»"/>
+                <a:defRPr sz="1000">
+                  <a:solidFill>
+                    <a:schemeClr val="tx1"/>
+                  </a:solidFill>
+                  <a:latin typeface="Arial" panose="020B0604020202020204" pitchFamily="34" charset="0"/>
+                  <a:ea typeface="ＭＳ Ｐゴシック" panose="020B0600070205080204" pitchFamily="34" charset="-128"/>
+                </a:defRPr>
+              </a:lvl7pPr>
+              <a:lvl8pPr marL="3429000" indent="-228600" eaLnBrk="0" fontAlgn="base" hangingPunct="0">
+                <a:spcBef>
+                  <a:spcPct val="20000"/>
+                </a:spcBef>
+                <a:spcAft>
+                  <a:spcPct val="0"/>
+                </a:spcAft>
+                <a:buChar char="»"/>
+                <a:defRPr sz="1000">
+                  <a:solidFill>
+                    <a:schemeClr val="tx1"/>
+                  </a:solidFill>
+                  <a:latin typeface="Arial" panose="020B0604020202020204" pitchFamily="34" charset="0"/>
+                  <a:ea typeface="ＭＳ Ｐゴシック" panose="020B0600070205080204" pitchFamily="34" charset="-128"/>
+                </a:defRPr>
+              </a:lvl8pPr>
+              <a:lvl9pPr marL="3886200" indent="-228600" eaLnBrk="0" fontAlgn="base" hangingPunct="0">
+                <a:spcBef>
+                  <a:spcPct val="20000"/>
+                </a:spcBef>
+                <a:spcAft>
+                  <a:spcPct val="0"/>
+                </a:spcAft>
+                <a:buChar char="»"/>
+                <a:defRPr sz="1000">
+                  <a:solidFill>
+                    <a:schemeClr val="tx1"/>
+                  </a:solidFill>
+                  <a:latin typeface="Arial" panose="020B0604020202020204" pitchFamily="34" charset="0"/>
+                  <a:ea typeface="ＭＳ Ｐゴシック" panose="020B0600070205080204" pitchFamily="34" charset="-128"/>
+                </a:defRPr>
+              </a:lvl9pPr>
+            </a:lstStyle>
+            <a:p>
+              <a:pPr fontAlgn="base">
+                <a:spcBef>
+                  <a:spcPct val="0"/>
+                </a:spcBef>
+                <a:spcAft>
+                  <a:spcPct val="0"/>
+                </a:spcAft>
+                <a:buNone/>
+              </a:pPr>
+              <a:endParaRPr lang="en-US" altLang="en-US" sz="1800" b="1" dirty="0">
                 <a:solidFill>
-                  <a:schemeClr val="tx1"/>
+                  <a:srgbClr val="000000"/>
                 </a:solidFill>
-                <a:latin typeface="Arial" panose="020B0604020202020204" pitchFamily="34" charset="0"/>
-                <a:ea typeface="ＭＳ Ｐゴシック" panose="020B0600070205080204" pitchFamily="34" charset="-128"/>
-              </a:defRPr>
-            </a:lvl1pPr>
-            <a:lvl2pPr marL="742950" indent="-285750">
-              <a:spcBef>
-                <a:spcPct val="20000"/>
-              </a:spcBef>
-              <a:buChar char="–"/>
-              <a:defRPr>
-                <a:solidFill>
-                  <a:schemeClr val="tx1"/>
-                </a:solidFill>
-                <a:latin typeface="Arial" panose="020B0604020202020204" pitchFamily="34" charset="0"/>
-                <a:ea typeface="ＭＳ Ｐゴシック" panose="020B0600070205080204" pitchFamily="34" charset="-128"/>
-              </a:defRPr>
-            </a:lvl2pPr>
-            <a:lvl3pPr marL="1143000" indent="-228600">
-              <a:spcBef>
-                <a:spcPct val="20000"/>
-              </a:spcBef>
-              <a:buChar char="•"/>
-              <a:defRPr sz="1400">
-                <a:solidFill>
-                  <a:schemeClr val="tx1"/>
-                </a:solidFill>
-                <a:latin typeface="Arial" panose="020B0604020202020204" pitchFamily="34" charset="0"/>
-                <a:ea typeface="ＭＳ Ｐゴシック" panose="020B0600070205080204" pitchFamily="34" charset="-128"/>
-              </a:defRPr>
-            </a:lvl3pPr>
-            <a:lvl4pPr marL="1600200" indent="-228600">
-              <a:spcBef>
-                <a:spcPct val="20000"/>
-              </a:spcBef>
-              <a:buChar char="–"/>
-              <a:defRPr sz="1000">
-                <a:solidFill>
-                  <a:schemeClr val="tx1"/>
-                </a:solidFill>
-                <a:latin typeface="Arial" panose="020B0604020202020204" pitchFamily="34" charset="0"/>
-                <a:ea typeface="ＭＳ Ｐゴシック" panose="020B0600070205080204" pitchFamily="34" charset="-128"/>
-              </a:defRPr>
-            </a:lvl4pPr>
-            <a:lvl5pPr marL="2057400" indent="-228600">
-              <a:spcBef>
-                <a:spcPct val="20000"/>
-              </a:spcBef>
-              <a:buChar char="»"/>
-              <a:defRPr sz="1000">
-                <a:solidFill>
-                  <a:schemeClr val="tx1"/>
-                </a:solidFill>
-                <a:latin typeface="Arial" panose="020B0604020202020204" pitchFamily="34" charset="0"/>
-                <a:ea typeface="ＭＳ Ｐゴシック" panose="020B0600070205080204" pitchFamily="34" charset="-128"/>
-              </a:defRPr>
-            </a:lvl5pPr>
-            <a:lvl6pPr marL="2514600" indent="-228600" eaLnBrk="0" fontAlgn="base" hangingPunct="0">
-              <a:spcBef>
-                <a:spcPct val="20000"/>
-              </a:spcBef>
-              <a:spcAft>
-                <a:spcPct val="0"/>
-              </a:spcAft>
-              <a:buChar char="»"/>
-              <a:defRPr sz="1000">
-                <a:solidFill>
-                  <a:schemeClr val="tx1"/>
-                </a:solidFill>
-                <a:latin typeface="Arial" panose="020B0604020202020204" pitchFamily="34" charset="0"/>
-                <a:ea typeface="ＭＳ Ｐゴシック" panose="020B0600070205080204" pitchFamily="34" charset="-128"/>
-              </a:defRPr>
-            </a:lvl6pPr>
-            <a:lvl7pPr marL="2971800" indent="-228600" eaLnBrk="0" fontAlgn="base" hangingPunct="0">
-              <a:spcBef>
-                <a:spcPct val="20000"/>
-              </a:spcBef>
-              <a:spcAft>
-                <a:spcPct val="0"/>
-              </a:spcAft>
-              <a:buChar char="»"/>
-              <a:defRPr sz="1000">
-                <a:solidFill>
-                  <a:schemeClr val="tx1"/>
-                </a:solidFill>
-                <a:latin typeface="Arial" panose="020B0604020202020204" pitchFamily="34" charset="0"/>
-                <a:ea typeface="ＭＳ Ｐゴシック" panose="020B0600070205080204" pitchFamily="34" charset="-128"/>
-              </a:defRPr>
-            </a:lvl7pPr>
-            <a:lvl8pPr marL="3429000" indent="-228600" eaLnBrk="0" fontAlgn="base" hangingPunct="0">
-              <a:spcBef>
-                <a:spcPct val="20000"/>
-              </a:spcBef>
-              <a:spcAft>
-                <a:spcPct val="0"/>
-              </a:spcAft>
-              <a:buChar char="»"/>
-              <a:defRPr sz="1000">
-                <a:solidFill>
-                  <a:schemeClr val="tx1"/>
-                </a:solidFill>
-                <a:latin typeface="Arial" panose="020B0604020202020204" pitchFamily="34" charset="0"/>
-                <a:ea typeface="ＭＳ Ｐゴシック" panose="020B0600070205080204" pitchFamily="34" charset="-128"/>
-              </a:defRPr>
-            </a:lvl8pPr>
-            <a:lvl9pPr marL="3886200" indent="-228600" eaLnBrk="0" fontAlgn="base" hangingPunct="0">
-              <a:spcBef>
-                <a:spcPct val="20000"/>
-              </a:spcBef>
-              <a:spcAft>
-                <a:spcPct val="0"/>
-              </a:spcAft>
-              <a:buChar char="»"/>
-              <a:defRPr sz="1000">
-                <a:solidFill>
-                  <a:schemeClr val="tx1"/>
-                </a:solidFill>
-                <a:latin typeface="Arial" panose="020B0604020202020204" pitchFamily="34" charset="0"/>
-                <a:ea typeface="ＭＳ Ｐゴシック" panose="020B0600070205080204" pitchFamily="34" charset="-128"/>
-              </a:defRPr>
-            </a:lvl9pPr>
-          </a:lstStyle>
-          <a:p>
-            <a:pPr fontAlgn="base">
-              <a:spcBef>
-                <a:spcPct val="0"/>
-              </a:spcBef>
-              <a:spcAft>
-                <a:spcPct val="0"/>
-              </a:spcAft>
-              <a:buNone/>
-            </a:pPr>
-            <a:endParaRPr lang="en-US" altLang="en-US" sz="1800" b="1" dirty="0">
-              <a:solidFill>
-                <a:srgbClr val="000000"/>
-              </a:solidFill>
-            </a:endParaRPr>
-          </a:p>
-        </p:txBody>
-      </p:sp>
+              </a:endParaRPr>
+            </a:p>
+          </p:txBody>
+        </p:sp>
+      </p:grpSp>
       <p:grpSp>
         <p:nvGrpSpPr>
           <p:cNvPr id="32" name="Group 31">
@@ -5775,10 +5543,10 @@
         </p:nvGrpSpPr>
         <p:grpSpPr>
           <a:xfrm>
-            <a:off x="6941976" y="2626469"/>
-            <a:ext cx="2198324" cy="509032"/>
-            <a:chOff x="8622021" y="714398"/>
-            <a:chExt cx="2198324" cy="509032"/>
+            <a:off x="193040" y="3300567"/>
+            <a:ext cx="6266389" cy="838359"/>
+            <a:chOff x="8494128" y="323978"/>
+            <a:chExt cx="6266389" cy="838359"/>
           </a:xfrm>
         </p:grpSpPr>
         <p:grpSp>
@@ -5797,10 +5565,10 @@
           </p:nvGrpSpPr>
           <p:grpSpPr bwMode="auto">
             <a:xfrm rot="5400000">
-              <a:off x="9610946" y="14031"/>
-              <a:ext cx="509032" cy="1909766"/>
-              <a:chOff x="8648818" y="7867936"/>
-              <a:chExt cx="669185" cy="542940"/>
+              <a:off x="9218105" y="-157354"/>
+              <a:ext cx="595714" cy="2043668"/>
+              <a:chOff x="8454554" y="7948268"/>
+              <a:chExt cx="783139" cy="581008"/>
             </a:xfrm>
           </p:grpSpPr>
           <p:sp>
@@ -5819,8 +5587,8 @@
             </p:nvSpPr>
             <p:spPr bwMode="auto">
               <a:xfrm rot="16200000">
-                <a:off x="8828139" y="7872268"/>
-                <a:ext cx="494196" cy="485532"/>
+                <a:off x="8649263" y="7869092"/>
+                <a:ext cx="509254" cy="667606"/>
               </a:xfrm>
               <a:prstGeom prst="rect">
                 <a:avLst/>
@@ -5841,7 +5609,7 @@
               </a:ln>
             </p:spPr>
             <p:txBody>
-              <a:bodyPr>
+              <a:bodyPr wrap="square">
                 <a:spAutoFit/>
               </a:bodyPr>
               <a:lstStyle>
@@ -5989,7 +5757,27 @@
                     <a:latin typeface="Arial" panose="020B0604020202020204" pitchFamily="34" charset="0"/>
                     <a:cs typeface="Arial" panose="020B0604020202020204" pitchFamily="34" charset="0"/>
                   </a:rPr>
-                  <a:t>to select Test Plan to upload.</a:t>
+                  <a:t>button</a:t>
+                </a:r>
+                <a:r>
+                  <a:rPr lang="en-US" altLang="ja-JP" sz="900" dirty="0">
+                    <a:solidFill>
+                      <a:srgbClr val="000000"/>
+                    </a:solidFill>
+                    <a:latin typeface="Arial" panose="020B0604020202020204" pitchFamily="34" charset="0"/>
+                    <a:cs typeface="Arial" panose="020B0604020202020204" pitchFamily="34" charset="0"/>
+                  </a:rPr>
+                  <a:t> </a:t>
+                </a:r>
+                <a:r>
+                  <a:rPr lang="en-US" altLang="ja-JP" sz="900" b="0" dirty="0">
+                    <a:solidFill>
+                      <a:srgbClr val="000000"/>
+                    </a:solidFill>
+                    <a:latin typeface="Arial" panose="020B0604020202020204" pitchFamily="34" charset="0"/>
+                    <a:cs typeface="Arial" panose="020B0604020202020204" pitchFamily="34" charset="0"/>
+                  </a:rPr>
+                  <a:t>to select the exported Test Plan to upload</a:t>
                 </a:r>
               </a:p>
             </p:txBody>
@@ -6010,7 +5798,7 @@
             </p:nvSpPr>
             <p:spPr bwMode="auto">
               <a:xfrm rot="16200000">
-                <a:off x="8791711" y="8188551"/>
+                <a:off x="8597447" y="8306951"/>
                 <a:ext cx="79432" cy="365218"/>
               </a:xfrm>
               <a:prstGeom prst="ellipse">
@@ -6077,9 +5865,9 @@
             <p:nvPr/>
           </p:nvCxnSpPr>
           <p:spPr bwMode="auto">
-            <a:xfrm flipH="1">
-              <a:off x="8622021" y="992207"/>
-              <a:ext cx="460018" cy="0"/>
+            <a:xfrm flipV="1">
+              <a:off x="14760517" y="323978"/>
+              <a:ext cx="0" cy="571394"/>
             </a:xfrm>
             <a:prstGeom prst="line">
               <a:avLst/>
@@ -6124,18 +5912,17 @@
           </p:cNvPr>
           <p:cNvCxnSpPr>
             <a:cxnSpLocks/>
+            <a:endCxn id="31" idx="3"/>
           </p:cNvCxnSpPr>
           <p:nvPr/>
         </p:nvCxnSpPr>
         <p:spPr bwMode="auto">
-          <a:xfrm rot="10800000" flipV="1">
-            <a:off x="9709679" y="2740287"/>
-            <a:ext cx="471368" cy="344108"/>
+          <a:xfrm rot="5400000">
+            <a:off x="10782912" y="2607329"/>
+            <a:ext cx="767290" cy="424849"/>
           </a:xfrm>
-          <a:prstGeom prst="bentConnector3">
-            <a:avLst>
-              <a:gd name="adj1" fmla="val -62"/>
-            </a:avLst>
+          <a:prstGeom prst="bentConnector2">
+            <a:avLst/>
           </a:prstGeom>
           <a:solidFill>
             <a:schemeClr val="accent1"/>
@@ -6165,394 +5952,500 @@
           </a:extLst>
         </p:spPr>
       </p:cxnSp>
-      <p:sp>
-        <p:nvSpPr>
-          <p:cNvPr id="37" name="TextBox 36">
+      <p:cxnSp>
+        <p:nvCxnSpPr>
+          <p:cNvPr id="6" name="Straight Connector 5">
             <a:extLst>
               <a:ext uri="{FF2B5EF4-FFF2-40B4-BE49-F238E27FC236}">
-                <a16:creationId xmlns:a16="http://schemas.microsoft.com/office/drawing/2014/main" id="{1150EDA3-2E8E-4991-9F03-6CAE329DFA32}"/>
+                <a16:creationId xmlns:a16="http://schemas.microsoft.com/office/drawing/2014/main" id="{3F39F7F8-6CEA-4ED1-88F7-C94C15CBA237}"/>
               </a:ext>
             </a:extLst>
           </p:cNvPr>
-          <p:cNvSpPr txBox="1">
-            <a:spLocks noChangeArrowheads="1"/>
-          </p:cNvSpPr>
+          <p:cNvCxnSpPr>
+            <a:cxnSpLocks/>
+          </p:cNvCxnSpPr>
           <p:nvPr/>
-        </p:nvSpPr>
+        </p:nvCxnSpPr>
         <p:spPr bwMode="auto">
           <a:xfrm>
-            <a:off x="5545499" y="2175915"/>
-            <a:ext cx="3021028" cy="369332"/>
+            <a:off x="9447750" y="1205387"/>
+            <a:ext cx="0" cy="1230719"/>
           </a:xfrm>
-          <a:prstGeom prst="rect">
+          <a:prstGeom prst="line">
             <a:avLst/>
           </a:prstGeom>
           <a:solidFill>
-            <a:srgbClr val="E1F2CE"/>
+            <a:schemeClr val="accent1"/>
           </a:solidFill>
-          <a:ln w="28575">
+          <a:ln w="28575" cap="flat" cmpd="sng" algn="ctr">
             <a:solidFill>
-              <a:schemeClr val="tx1">
+              <a:schemeClr val="bg1">
                 <a:lumMod val="50000"/>
-                <a:lumOff val="50000"/>
               </a:schemeClr>
             </a:solidFill>
-            <a:miter lim="800000"/>
-            <a:headEnd/>
-            <a:tailEnd/>
+            <a:prstDash val="solid"/>
+            <a:round/>
+            <a:headEnd type="none" w="med" len="med"/>
+            <a:tailEnd type="none" w="med" len="med"/>
           </a:ln>
+          <a:effectLst/>
+          <a:extLst>
+            <a:ext uri="{AF507438-7753-43E0-B8FC-AC1667EBCBE1}">
+              <a14:hiddenEffects xmlns:a14="http://schemas.microsoft.com/office/drawing/2010/main">
+                <a:effectLst>
+                  <a:outerShdw dist="35921" dir="2700000" algn="ctr" rotWithShape="0">
+                    <a:schemeClr val="bg2"/>
+                  </a:outerShdw>
+                </a:effectLst>
+              </a14:hiddenEffects>
+            </a:ext>
+          </a:extLst>
         </p:spPr>
-        <p:txBody>
-          <a:bodyPr wrap="square">
-            <a:spAutoFit/>
-          </a:bodyPr>
-          <a:lstStyle>
-            <a:lvl1pPr eaLnBrk="0" hangingPunct="0">
-              <a:defRPr sz="2400" b="1">
-                <a:solidFill>
-                  <a:schemeClr val="tx1"/>
-                </a:solidFill>
-                <a:latin typeface="Arial" charset="0"/>
-                <a:ea typeface="ＭＳ Ｐゴシック" pitchFamily="34" charset="-128"/>
-              </a:defRPr>
-            </a:lvl1pPr>
-            <a:lvl2pPr marL="742950" indent="-285750" eaLnBrk="0" hangingPunct="0">
-              <a:defRPr sz="2400" b="1">
-                <a:solidFill>
-                  <a:schemeClr val="tx1"/>
-                </a:solidFill>
-                <a:latin typeface="Arial" charset="0"/>
-                <a:ea typeface="ＭＳ Ｐゴシック" pitchFamily="34" charset="-128"/>
-              </a:defRPr>
-            </a:lvl2pPr>
-            <a:lvl3pPr marL="1143000" indent="-228600" eaLnBrk="0" hangingPunct="0">
-              <a:defRPr sz="2400" b="1">
-                <a:solidFill>
-                  <a:schemeClr val="tx1"/>
-                </a:solidFill>
-                <a:latin typeface="Arial" charset="0"/>
-                <a:ea typeface="ＭＳ Ｐゴシック" pitchFamily="34" charset="-128"/>
-              </a:defRPr>
-            </a:lvl3pPr>
-            <a:lvl4pPr marL="1600200" indent="-228600" eaLnBrk="0" hangingPunct="0">
-              <a:defRPr sz="2400" b="1">
-                <a:solidFill>
-                  <a:schemeClr val="tx1"/>
-                </a:solidFill>
-                <a:latin typeface="Arial" charset="0"/>
-                <a:ea typeface="ＭＳ Ｐゴシック" pitchFamily="34" charset="-128"/>
-              </a:defRPr>
-            </a:lvl4pPr>
-            <a:lvl5pPr marL="2057400" indent="-228600" eaLnBrk="0" hangingPunct="0">
-              <a:defRPr sz="2400" b="1">
-                <a:solidFill>
-                  <a:schemeClr val="tx1"/>
-                </a:solidFill>
-                <a:latin typeface="Arial" charset="0"/>
-                <a:ea typeface="ＭＳ Ｐゴシック" pitchFamily="34" charset="-128"/>
-              </a:defRPr>
-            </a:lvl5pPr>
-            <a:lvl6pPr marL="2514600" indent="-228600" eaLnBrk="0" fontAlgn="base" hangingPunct="0">
-              <a:spcBef>
-                <a:spcPct val="0"/>
-              </a:spcBef>
-              <a:spcAft>
-                <a:spcPct val="0"/>
-              </a:spcAft>
-              <a:defRPr sz="2400" b="1">
-                <a:solidFill>
-                  <a:schemeClr val="tx1"/>
-                </a:solidFill>
-                <a:latin typeface="Arial" charset="0"/>
-                <a:ea typeface="ＭＳ Ｐゴシック" pitchFamily="34" charset="-128"/>
-              </a:defRPr>
-            </a:lvl6pPr>
-            <a:lvl7pPr marL="2971800" indent="-228600" eaLnBrk="0" fontAlgn="base" hangingPunct="0">
-              <a:spcBef>
-                <a:spcPct val="0"/>
-              </a:spcBef>
-              <a:spcAft>
-                <a:spcPct val="0"/>
-              </a:spcAft>
-              <a:defRPr sz="2400" b="1">
-                <a:solidFill>
-                  <a:schemeClr val="tx1"/>
-                </a:solidFill>
-                <a:latin typeface="Arial" charset="0"/>
-                <a:ea typeface="ＭＳ Ｐゴシック" pitchFamily="34" charset="-128"/>
-              </a:defRPr>
-            </a:lvl7pPr>
-            <a:lvl8pPr marL="3429000" indent="-228600" eaLnBrk="0" fontAlgn="base" hangingPunct="0">
-              <a:spcBef>
-                <a:spcPct val="0"/>
-              </a:spcBef>
-              <a:spcAft>
-                <a:spcPct val="0"/>
-              </a:spcAft>
-              <a:defRPr sz="2400" b="1">
-                <a:solidFill>
-                  <a:schemeClr val="tx1"/>
-                </a:solidFill>
-                <a:latin typeface="Arial" charset="0"/>
-                <a:ea typeface="ＭＳ Ｐゴシック" pitchFamily="34" charset="-128"/>
-              </a:defRPr>
-            </a:lvl8pPr>
-            <a:lvl9pPr marL="3886200" indent="-228600" eaLnBrk="0" fontAlgn="base" hangingPunct="0">
-              <a:spcBef>
-                <a:spcPct val="0"/>
-              </a:spcBef>
-              <a:spcAft>
-                <a:spcPct val="0"/>
-              </a:spcAft>
-              <a:defRPr sz="2400" b="1">
-                <a:solidFill>
-                  <a:schemeClr val="tx1"/>
-                </a:solidFill>
-                <a:latin typeface="Arial" charset="0"/>
-                <a:ea typeface="ＭＳ Ｐゴシック" pitchFamily="34" charset="-128"/>
-              </a:defRPr>
-            </a:lvl9pPr>
-          </a:lstStyle>
-          <a:p>
-            <a:pPr algn="ctr" eaLnBrk="1" fontAlgn="base" hangingPunct="1">
-              <a:spcBef>
-                <a:spcPct val="0"/>
-              </a:spcBef>
-              <a:spcAft>
-                <a:spcPct val="0"/>
-              </a:spcAft>
-              <a:defRPr/>
-            </a:pPr>
-            <a:r>
-              <a:rPr lang="en-US" altLang="en-US" sz="900" b="0" dirty="0">
+      </p:cxnSp>
+      <p:grpSp>
+        <p:nvGrpSpPr>
+          <p:cNvPr id="50" name="Group 10">
+            <a:extLst>
+              <a:ext uri="{FF2B5EF4-FFF2-40B4-BE49-F238E27FC236}">
+                <a16:creationId xmlns:a16="http://schemas.microsoft.com/office/drawing/2014/main" id="{6DCE10CE-4F4F-46BD-9FDA-6C31A5C0B3B6}"/>
+              </a:ext>
+            </a:extLst>
+          </p:cNvPr>
+          <p:cNvGrpSpPr>
+            <a:grpSpLocks/>
+          </p:cNvGrpSpPr>
+          <p:nvPr/>
+        </p:nvGrpSpPr>
+        <p:grpSpPr bwMode="auto">
+          <a:xfrm rot="5400000">
+            <a:off x="1052141" y="72207"/>
+            <a:ext cx="509032" cy="2037735"/>
+            <a:chOff x="8648818" y="7831555"/>
+            <a:chExt cx="669186" cy="579321"/>
+          </a:xfrm>
+        </p:grpSpPr>
+        <p:sp>
+          <p:nvSpPr>
+            <p:cNvPr id="52" name="TextBox 51">
+              <a:extLst>
+                <a:ext uri="{FF2B5EF4-FFF2-40B4-BE49-F238E27FC236}">
+                  <a16:creationId xmlns:a16="http://schemas.microsoft.com/office/drawing/2014/main" id="{09A03D16-C34F-4F55-9AEA-21AC1914E32F}"/>
+                </a:ext>
+              </a:extLst>
+            </p:cNvPr>
+            <p:cNvSpPr txBox="1">
+              <a:spLocks noChangeArrowheads="1"/>
+            </p:cNvSpPr>
+            <p:nvPr/>
+          </p:nvSpPr>
+          <p:spPr bwMode="auto">
+            <a:xfrm rot="16200000">
+              <a:off x="8809950" y="7854076"/>
+              <a:ext cx="530575" cy="485533"/>
+            </a:xfrm>
+            <a:prstGeom prst="rect">
+              <a:avLst/>
+            </a:prstGeom>
+            <a:solidFill>
+              <a:srgbClr val="F2EECE"/>
+            </a:solidFill>
+            <a:ln w="28575">
+              <a:solidFill>
+                <a:schemeClr val="tx1">
+                  <a:lumMod val="50000"/>
+                  <a:lumOff val="50000"/>
+                </a:schemeClr>
+              </a:solidFill>
+              <a:miter lim="800000"/>
+              <a:headEnd/>
+              <a:tailEnd/>
+            </a:ln>
+          </p:spPr>
+          <p:txBody>
+            <a:bodyPr wrap="square">
+              <a:spAutoFit/>
+            </a:bodyPr>
+            <a:lstStyle>
+              <a:lvl1pPr eaLnBrk="0" hangingPunct="0">
+                <a:defRPr sz="2400" b="1">
+                  <a:solidFill>
+                    <a:schemeClr val="tx1"/>
+                  </a:solidFill>
+                  <a:latin typeface="Arial" charset="0"/>
+                  <a:ea typeface="ＭＳ Ｐゴシック" pitchFamily="34" charset="-128"/>
+                </a:defRPr>
+              </a:lvl1pPr>
+              <a:lvl2pPr marL="742950" indent="-285750" eaLnBrk="0" hangingPunct="0">
+                <a:defRPr sz="2400" b="1">
+                  <a:solidFill>
+                    <a:schemeClr val="tx1"/>
+                  </a:solidFill>
+                  <a:latin typeface="Arial" charset="0"/>
+                  <a:ea typeface="ＭＳ Ｐゴシック" pitchFamily="34" charset="-128"/>
+                </a:defRPr>
+              </a:lvl2pPr>
+              <a:lvl3pPr marL="1143000" indent="-228600" eaLnBrk="0" hangingPunct="0">
+                <a:defRPr sz="2400" b="1">
+                  <a:solidFill>
+                    <a:schemeClr val="tx1"/>
+                  </a:solidFill>
+                  <a:latin typeface="Arial" charset="0"/>
+                  <a:ea typeface="ＭＳ Ｐゴシック" pitchFamily="34" charset="-128"/>
+                </a:defRPr>
+              </a:lvl3pPr>
+              <a:lvl4pPr marL="1600200" indent="-228600" eaLnBrk="0" hangingPunct="0">
+                <a:defRPr sz="2400" b="1">
+                  <a:solidFill>
+                    <a:schemeClr val="tx1"/>
+                  </a:solidFill>
+                  <a:latin typeface="Arial" charset="0"/>
+                  <a:ea typeface="ＭＳ Ｐゴシック" pitchFamily="34" charset="-128"/>
+                </a:defRPr>
+              </a:lvl4pPr>
+              <a:lvl5pPr marL="2057400" indent="-228600" eaLnBrk="0" hangingPunct="0">
+                <a:defRPr sz="2400" b="1">
+                  <a:solidFill>
+                    <a:schemeClr val="tx1"/>
+                  </a:solidFill>
+                  <a:latin typeface="Arial" charset="0"/>
+                  <a:ea typeface="ＭＳ Ｐゴシック" pitchFamily="34" charset="-128"/>
+                </a:defRPr>
+              </a:lvl5pPr>
+              <a:lvl6pPr marL="2514600" indent="-228600" eaLnBrk="0" fontAlgn="base" hangingPunct="0">
+                <a:spcBef>
+                  <a:spcPct val="0"/>
+                </a:spcBef>
+                <a:spcAft>
+                  <a:spcPct val="0"/>
+                </a:spcAft>
+                <a:defRPr sz="2400" b="1">
+                  <a:solidFill>
+                    <a:schemeClr val="tx1"/>
+                  </a:solidFill>
+                  <a:latin typeface="Arial" charset="0"/>
+                  <a:ea typeface="ＭＳ Ｐゴシック" pitchFamily="34" charset="-128"/>
+                </a:defRPr>
+              </a:lvl6pPr>
+              <a:lvl7pPr marL="2971800" indent="-228600" eaLnBrk="0" fontAlgn="base" hangingPunct="0">
+                <a:spcBef>
+                  <a:spcPct val="0"/>
+                </a:spcBef>
+                <a:spcAft>
+                  <a:spcPct val="0"/>
+                </a:spcAft>
+                <a:defRPr sz="2400" b="1">
+                  <a:solidFill>
+                    <a:schemeClr val="tx1"/>
+                  </a:solidFill>
+                  <a:latin typeface="Arial" charset="0"/>
+                  <a:ea typeface="ＭＳ Ｐゴシック" pitchFamily="34" charset="-128"/>
+                </a:defRPr>
+              </a:lvl7pPr>
+              <a:lvl8pPr marL="3429000" indent="-228600" eaLnBrk="0" fontAlgn="base" hangingPunct="0">
+                <a:spcBef>
+                  <a:spcPct val="0"/>
+                </a:spcBef>
+                <a:spcAft>
+                  <a:spcPct val="0"/>
+                </a:spcAft>
+                <a:defRPr sz="2400" b="1">
+                  <a:solidFill>
+                    <a:schemeClr val="tx1"/>
+                  </a:solidFill>
+                  <a:latin typeface="Arial" charset="0"/>
+                  <a:ea typeface="ＭＳ Ｐゴシック" pitchFamily="34" charset="-128"/>
+                </a:defRPr>
+              </a:lvl8pPr>
+              <a:lvl9pPr marL="3886200" indent="-228600" eaLnBrk="0" fontAlgn="base" hangingPunct="0">
+                <a:spcBef>
+                  <a:spcPct val="0"/>
+                </a:spcBef>
+                <a:spcAft>
+                  <a:spcPct val="0"/>
+                </a:spcAft>
+                <a:defRPr sz="2400" b="1">
+                  <a:solidFill>
+                    <a:schemeClr val="tx1"/>
+                  </a:solidFill>
+                  <a:latin typeface="Arial" charset="0"/>
+                  <a:ea typeface="ＭＳ Ｐゴシック" pitchFamily="34" charset="-128"/>
+                </a:defRPr>
+              </a:lvl9pPr>
+            </a:lstStyle>
+            <a:p>
+              <a:pPr eaLnBrk="1" fontAlgn="base" hangingPunct="1">
+                <a:spcBef>
+                  <a:spcPct val="0"/>
+                </a:spcBef>
+                <a:spcAft>
+                  <a:spcPct val="0"/>
+                </a:spcAft>
+                <a:defRPr/>
+              </a:pPr>
+              <a:r>
+                <a:rPr lang="en-US" altLang="ja-JP" sz="900" b="0" dirty="0">
+                  <a:solidFill>
+                    <a:srgbClr val="000000"/>
+                  </a:solidFill>
+                  <a:latin typeface="Arial" panose="020B0604020202020204" pitchFamily="34" charset="0"/>
+                  <a:cs typeface="Arial" panose="020B0604020202020204" pitchFamily="34" charset="0"/>
+                </a:rPr>
+                <a:t>Export the </a:t>
+              </a:r>
+              <a:r>
+                <a:rPr lang="en-US" altLang="ja-JP" sz="900" dirty="0">
+                  <a:solidFill>
+                    <a:srgbClr val="000000"/>
+                  </a:solidFill>
+                  <a:latin typeface="Arial" panose="020B0604020202020204" pitchFamily="34" charset="0"/>
+                  <a:cs typeface="Arial" panose="020B0604020202020204" pitchFamily="34" charset="0"/>
+                </a:rPr>
+                <a:t>Test Plan Resource Bundle</a:t>
+              </a:r>
+              <a:r>
+                <a:rPr lang="en-US" altLang="ja-JP" sz="900" b="0" dirty="0">
+                  <a:solidFill>
+                    <a:srgbClr val="000000"/>
+                  </a:solidFill>
+                  <a:latin typeface="Arial" panose="020B0604020202020204" pitchFamily="34" charset="0"/>
+                  <a:cs typeface="Arial" panose="020B0604020202020204" pitchFamily="34" charset="0"/>
+                </a:rPr>
+                <a:t> from </a:t>
+              </a:r>
+              <a:r>
+                <a:rPr lang="en-US" altLang="ja-JP" sz="900" dirty="0">
+                  <a:solidFill>
+                    <a:srgbClr val="000000"/>
+                  </a:solidFill>
+                  <a:latin typeface="Arial" panose="020B0604020202020204" pitchFamily="34" charset="0"/>
+                  <a:cs typeface="Arial" panose="020B0604020202020204" pitchFamily="34" charset="0"/>
+                </a:rPr>
+                <a:t>TCAMT</a:t>
+              </a:r>
+              <a:endParaRPr lang="en-US" altLang="ja-JP" sz="900" b="0" dirty="0">
                 <a:solidFill>
                   <a:srgbClr val="000000"/>
                 </a:solidFill>
-              </a:rPr>
-              <a:t>Before attempting a Test Plan upload, first export the </a:t>
-            </a:r>
-            <a:r>
-              <a:rPr lang="en-US" altLang="en-US" sz="900" dirty="0">
-                <a:solidFill>
-                  <a:srgbClr val="000000"/>
-                </a:solidFill>
-              </a:rPr>
-              <a:t>Test Plan Resource Bundle </a:t>
-            </a:r>
-            <a:r>
-              <a:rPr lang="en-US" altLang="en-US" sz="900" b="0" dirty="0">
-                <a:solidFill>
-                  <a:srgbClr val="000000"/>
-                </a:solidFill>
-              </a:rPr>
-              <a:t>from TCAMT first. </a:t>
-            </a:r>
-            <a:endParaRPr lang="en-US" altLang="en-US" sz="800" b="0" dirty="0">
+                <a:latin typeface="Arial" panose="020B0604020202020204" pitchFamily="34" charset="0"/>
+                <a:cs typeface="Arial" panose="020B0604020202020204" pitchFamily="34" charset="0"/>
+              </a:endParaRPr>
+            </a:p>
+          </p:txBody>
+        </p:sp>
+        <p:sp>
+          <p:nvSpPr>
+            <p:cNvPr id="53" name="Oval 52">
+              <a:extLst>
+                <a:ext uri="{FF2B5EF4-FFF2-40B4-BE49-F238E27FC236}">
+                  <a16:creationId xmlns:a16="http://schemas.microsoft.com/office/drawing/2014/main" id="{EC4954E7-5A88-480A-AEBD-994FAB2376DB}"/>
+                </a:ext>
+              </a:extLst>
+            </p:cNvPr>
+            <p:cNvSpPr>
+              <a:spLocks noChangeArrowheads="1"/>
+            </p:cNvSpPr>
+            <p:nvPr/>
+          </p:nvSpPr>
+          <p:spPr bwMode="auto">
+            <a:xfrm rot="16200000">
+              <a:off x="8791711" y="8188551"/>
+              <a:ext cx="79432" cy="365218"/>
+            </a:xfrm>
+            <a:prstGeom prst="ellipse">
+              <a:avLst/>
+            </a:prstGeom>
+            <a:solidFill>
+              <a:srgbClr val="002060"/>
+            </a:solidFill>
+            <a:ln w="9525">
               <a:solidFill>
-                <a:srgbClr val="000000"/>
+                <a:schemeClr val="bg1"/>
               </a:solidFill>
-            </a:endParaRPr>
-          </a:p>
-        </p:txBody>
-      </p:sp>
-      <p:sp>
-        <p:nvSpPr>
-          <p:cNvPr id="48" name="TextBox 47">
+              <a:round/>
+              <a:headEnd/>
+              <a:tailEnd/>
+            </a:ln>
+            <a:effectLst>
+              <a:outerShdw blurRad="50800" dist="38100" dir="5400000" algn="t" rotWithShape="0">
+                <a:srgbClr val="808080">
+                  <a:alpha val="39998"/>
+                </a:srgbClr>
+              </a:outerShdw>
+            </a:effectLst>
+          </p:spPr>
+          <p:txBody>
+            <a:bodyPr lIns="0" tIns="0" rIns="0" bIns="0" anchor="ctr"/>
+            <a:lstStyle/>
+            <a:p>
+              <a:pPr algn="ctr" fontAlgn="base">
+                <a:spcBef>
+                  <a:spcPct val="0"/>
+                </a:spcBef>
+                <a:spcAft>
+                  <a:spcPct val="0"/>
+                </a:spcAft>
+                <a:defRPr/>
+              </a:pPr>
+              <a:r>
+                <a:rPr lang="en-US" sz="900" b="1" dirty="0">
+                  <a:solidFill>
+                    <a:srgbClr val="FFFFFF"/>
+                  </a:solidFill>
+                  <a:latin typeface="Franklin Gothic Demi"/>
+                  <a:ea typeface="ＭＳ Ｐゴシック" panose="020B0600070205080204" pitchFamily="34" charset="-128"/>
+                </a:rPr>
+                <a:t>1</a:t>
+              </a:r>
+            </a:p>
+          </p:txBody>
+        </p:sp>
+      </p:grpSp>
+      <p:cxnSp>
+        <p:nvCxnSpPr>
+          <p:cNvPr id="55" name="Straight Connector 54">
             <a:extLst>
               <a:ext uri="{FF2B5EF4-FFF2-40B4-BE49-F238E27FC236}">
-                <a16:creationId xmlns:a16="http://schemas.microsoft.com/office/drawing/2014/main" id="{D0BB741F-F1E5-49B0-92F8-C9A257FFE665}"/>
+                <a16:creationId xmlns:a16="http://schemas.microsoft.com/office/drawing/2014/main" id="{872F5478-6D3D-4A6F-801B-B8A1C3F6D854}"/>
               </a:ext>
             </a:extLst>
           </p:cNvPr>
-          <p:cNvSpPr txBox="1">
-            <a:spLocks noChangeArrowheads="1"/>
-          </p:cNvSpPr>
+          <p:cNvCxnSpPr>
+            <a:cxnSpLocks/>
+          </p:cNvCxnSpPr>
           <p:nvPr/>
-        </p:nvSpPr>
+        </p:nvCxnSpPr>
         <p:spPr bwMode="auto">
           <a:xfrm>
-            <a:off x="1460542" y="2863017"/>
-            <a:ext cx="3021028" cy="507831"/>
+            <a:off x="2246039" y="3885011"/>
+            <a:ext cx="4222721" cy="1"/>
           </a:xfrm>
-          <a:prstGeom prst="rect">
+          <a:prstGeom prst="line">
             <a:avLst/>
           </a:prstGeom>
           <a:solidFill>
-            <a:srgbClr val="E1F2CE"/>
+            <a:schemeClr val="accent1"/>
           </a:solidFill>
-          <a:ln w="28575">
+          <a:ln w="28575" cap="flat" cmpd="sng" algn="ctr">
             <a:solidFill>
-              <a:schemeClr val="tx1">
+              <a:schemeClr val="bg1">
                 <a:lumMod val="50000"/>
-                <a:lumOff val="50000"/>
               </a:schemeClr>
             </a:solidFill>
-            <a:miter lim="800000"/>
-            <a:headEnd/>
-            <a:tailEnd/>
+            <a:prstDash val="solid"/>
+            <a:round/>
+            <a:headEnd type="none" w="med" len="med"/>
+            <a:tailEnd type="none" w="med" len="med"/>
           </a:ln>
+          <a:effectLst/>
+          <a:extLst>
+            <a:ext uri="{AF507438-7753-43E0-B8FC-AC1667EBCBE1}">
+              <a14:hiddenEffects xmlns:a14="http://schemas.microsoft.com/office/drawing/2010/main">
+                <a:effectLst>
+                  <a:outerShdw dist="35921" dir="2700000" algn="ctr" rotWithShape="0">
+                    <a:schemeClr val="bg2"/>
+                  </a:outerShdw>
+                </a:effectLst>
+              </a14:hiddenEffects>
+            </a:ext>
+          </a:extLst>
         </p:spPr>
-        <p:txBody>
-          <a:bodyPr wrap="square">
-            <a:spAutoFit/>
-          </a:bodyPr>
-          <a:lstStyle>
-            <a:lvl1pPr eaLnBrk="0" hangingPunct="0">
-              <a:defRPr sz="2400" b="1">
-                <a:solidFill>
-                  <a:schemeClr val="tx1"/>
-                </a:solidFill>
-                <a:latin typeface="Arial" charset="0"/>
-                <a:ea typeface="ＭＳ Ｐゴシック" pitchFamily="34" charset="-128"/>
-              </a:defRPr>
-            </a:lvl1pPr>
-            <a:lvl2pPr marL="742950" indent="-285750" eaLnBrk="0" hangingPunct="0">
-              <a:defRPr sz="2400" b="1">
-                <a:solidFill>
-                  <a:schemeClr val="tx1"/>
-                </a:solidFill>
-                <a:latin typeface="Arial" charset="0"/>
-                <a:ea typeface="ＭＳ Ｐゴシック" pitchFamily="34" charset="-128"/>
-              </a:defRPr>
-            </a:lvl2pPr>
-            <a:lvl3pPr marL="1143000" indent="-228600" eaLnBrk="0" hangingPunct="0">
-              <a:defRPr sz="2400" b="1">
-                <a:solidFill>
-                  <a:schemeClr val="tx1"/>
-                </a:solidFill>
-                <a:latin typeface="Arial" charset="0"/>
-                <a:ea typeface="ＭＳ Ｐゴシック" pitchFamily="34" charset="-128"/>
-              </a:defRPr>
-            </a:lvl3pPr>
-            <a:lvl4pPr marL="1600200" indent="-228600" eaLnBrk="0" hangingPunct="0">
-              <a:defRPr sz="2400" b="1">
-                <a:solidFill>
-                  <a:schemeClr val="tx1"/>
-                </a:solidFill>
-                <a:latin typeface="Arial" charset="0"/>
-                <a:ea typeface="ＭＳ Ｐゴシック" pitchFamily="34" charset="-128"/>
-              </a:defRPr>
-            </a:lvl4pPr>
-            <a:lvl5pPr marL="2057400" indent="-228600" eaLnBrk="0" hangingPunct="0">
-              <a:defRPr sz="2400" b="1">
-                <a:solidFill>
-                  <a:schemeClr val="tx1"/>
-                </a:solidFill>
-                <a:latin typeface="Arial" charset="0"/>
-                <a:ea typeface="ＭＳ Ｐゴシック" pitchFamily="34" charset="-128"/>
-              </a:defRPr>
-            </a:lvl5pPr>
-            <a:lvl6pPr marL="2514600" indent="-228600" eaLnBrk="0" fontAlgn="base" hangingPunct="0">
-              <a:spcBef>
-                <a:spcPct val="0"/>
-              </a:spcBef>
-              <a:spcAft>
-                <a:spcPct val="0"/>
-              </a:spcAft>
-              <a:defRPr sz="2400" b="1">
-                <a:solidFill>
-                  <a:schemeClr val="tx1"/>
-                </a:solidFill>
-                <a:latin typeface="Arial" charset="0"/>
-                <a:ea typeface="ＭＳ Ｐゴシック" pitchFamily="34" charset="-128"/>
-              </a:defRPr>
-            </a:lvl6pPr>
-            <a:lvl7pPr marL="2971800" indent="-228600" eaLnBrk="0" fontAlgn="base" hangingPunct="0">
-              <a:spcBef>
-                <a:spcPct val="0"/>
-              </a:spcBef>
-              <a:spcAft>
-                <a:spcPct val="0"/>
-              </a:spcAft>
-              <a:defRPr sz="2400" b="1">
-                <a:solidFill>
-                  <a:schemeClr val="tx1"/>
-                </a:solidFill>
-                <a:latin typeface="Arial" charset="0"/>
-                <a:ea typeface="ＭＳ Ｐゴシック" pitchFamily="34" charset="-128"/>
-              </a:defRPr>
-            </a:lvl7pPr>
-            <a:lvl8pPr marL="3429000" indent="-228600" eaLnBrk="0" fontAlgn="base" hangingPunct="0">
-              <a:spcBef>
-                <a:spcPct val="0"/>
-              </a:spcBef>
-              <a:spcAft>
-                <a:spcPct val="0"/>
-              </a:spcAft>
-              <a:defRPr sz="2400" b="1">
-                <a:solidFill>
-                  <a:schemeClr val="tx1"/>
-                </a:solidFill>
-                <a:latin typeface="Arial" charset="0"/>
-                <a:ea typeface="ＭＳ Ｐゴシック" pitchFamily="34" charset="-128"/>
-              </a:defRPr>
-            </a:lvl8pPr>
-            <a:lvl9pPr marL="3886200" indent="-228600" eaLnBrk="0" fontAlgn="base" hangingPunct="0">
-              <a:spcBef>
-                <a:spcPct val="0"/>
-              </a:spcBef>
-              <a:spcAft>
-                <a:spcPct val="0"/>
-              </a:spcAft>
-              <a:defRPr sz="2400" b="1">
-                <a:solidFill>
-                  <a:schemeClr val="tx1"/>
-                </a:solidFill>
-                <a:latin typeface="Arial" charset="0"/>
-                <a:ea typeface="ＭＳ Ｐゴシック" pitchFamily="34" charset="-128"/>
-              </a:defRPr>
-            </a:lvl9pPr>
-          </a:lstStyle>
-          <a:p>
-            <a:pPr algn="ctr" eaLnBrk="1" fontAlgn="base" hangingPunct="1">
-              <a:spcBef>
-                <a:spcPct val="0"/>
-              </a:spcBef>
-              <a:spcAft>
-                <a:spcPct val="0"/>
-              </a:spcAft>
-              <a:defRPr/>
-            </a:pPr>
-            <a:r>
-              <a:rPr lang="en-US" altLang="en-US" sz="900" dirty="0">
-                <a:solidFill>
-                  <a:srgbClr val="000000"/>
-                </a:solidFill>
-              </a:rPr>
-              <a:t>Test Plan Type </a:t>
-            </a:r>
-            <a:r>
-              <a:rPr lang="en-US" altLang="en-US" sz="900" b="0" dirty="0">
-                <a:solidFill>
-                  <a:srgbClr val="000000"/>
-                </a:solidFill>
-              </a:rPr>
-              <a:t>partly</a:t>
-            </a:r>
-            <a:r>
-              <a:rPr lang="en-US" altLang="en-US" sz="900" dirty="0">
-                <a:solidFill>
-                  <a:srgbClr val="000000"/>
-                </a:solidFill>
-              </a:rPr>
-              <a:t> </a:t>
-            </a:r>
-            <a:r>
-              <a:rPr lang="en-US" altLang="en-US" sz="900" b="0" dirty="0">
-                <a:solidFill>
-                  <a:srgbClr val="000000"/>
-                </a:solidFill>
-              </a:rPr>
-              <a:t>determines if the Test Plan will be available to all GVT users or only available to the Test Plan developer or the GVT Account owner.</a:t>
-            </a:r>
-            <a:endParaRPr lang="en-US" altLang="en-US" sz="800" b="0" dirty="0">
-              <a:solidFill>
-                <a:srgbClr val="000000"/>
-              </a:solidFill>
-            </a:endParaRPr>
-          </a:p>
-        </p:txBody>
-      </p:sp>
+      </p:cxnSp>
+      <p:cxnSp>
+        <p:nvCxnSpPr>
+          <p:cNvPr id="5136" name="Straight Connector 5135">
+            <a:extLst>
+              <a:ext uri="{FF2B5EF4-FFF2-40B4-BE49-F238E27FC236}">
+                <a16:creationId xmlns:a16="http://schemas.microsoft.com/office/drawing/2014/main" id="{73F2538A-9107-48E6-9099-D5D2A29A068E}"/>
+              </a:ext>
+            </a:extLst>
+          </p:cNvPr>
+          <p:cNvCxnSpPr/>
+          <p:nvPr/>
+        </p:nvCxnSpPr>
+        <p:spPr bwMode="auto">
+          <a:xfrm>
+            <a:off x="9993086" y="1241355"/>
+            <a:ext cx="0" cy="0"/>
+          </a:xfrm>
+          <a:prstGeom prst="line">
+            <a:avLst/>
+          </a:prstGeom>
+          <a:solidFill>
+            <a:schemeClr val="accent1"/>
+          </a:solidFill>
+          <a:ln w="9525" cap="flat" cmpd="sng" algn="ctr">
+            <a:solidFill>
+              <a:schemeClr val="tx1"/>
+            </a:solidFill>
+            <a:prstDash val="solid"/>
+            <a:round/>
+            <a:headEnd type="none" w="med" len="med"/>
+            <a:tailEnd type="none" w="med" len="med"/>
+          </a:ln>
+          <a:effectLst/>
+          <a:extLst>
+            <a:ext uri="{AF507438-7753-43E0-B8FC-AC1667EBCBE1}">
+              <a14:hiddenEffects xmlns:a14="http://schemas.microsoft.com/office/drawing/2010/main">
+                <a:effectLst>
+                  <a:outerShdw dist="35921" dir="2700000" algn="ctr" rotWithShape="0">
+                    <a:schemeClr val="bg2"/>
+                  </a:outerShdw>
+                </a:effectLst>
+              </a14:hiddenEffects>
+            </a:ext>
+          </a:extLst>
+        </p:spPr>
+      </p:cxnSp>
+      <p:cxnSp>
+        <p:nvCxnSpPr>
+          <p:cNvPr id="81" name="Straight Connector 80">
+            <a:extLst>
+              <a:ext uri="{FF2B5EF4-FFF2-40B4-BE49-F238E27FC236}">
+                <a16:creationId xmlns:a16="http://schemas.microsoft.com/office/drawing/2014/main" id="{4E89F4A6-FDDC-44B0-985B-7E9B6A3650C9}"/>
+              </a:ext>
+            </a:extLst>
+          </p:cNvPr>
+          <p:cNvCxnSpPr>
+            <a:cxnSpLocks/>
+          </p:cNvCxnSpPr>
+          <p:nvPr/>
+        </p:nvCxnSpPr>
+        <p:spPr bwMode="auto">
+          <a:xfrm>
+            <a:off x="10984374" y="2437331"/>
+            <a:ext cx="394607" cy="0"/>
+          </a:xfrm>
+          <a:prstGeom prst="line">
+            <a:avLst/>
+          </a:prstGeom>
+          <a:solidFill>
+            <a:schemeClr val="accent1"/>
+          </a:solidFill>
+          <a:ln w="28575" cap="flat" cmpd="sng" algn="ctr">
+            <a:solidFill>
+              <a:schemeClr val="bg1">
+                <a:lumMod val="50000"/>
+              </a:schemeClr>
+            </a:solidFill>
+            <a:prstDash val="sysDot"/>
+            <a:round/>
+            <a:headEnd type="none" w="med" len="med"/>
+            <a:tailEnd type="none" w="med" len="med"/>
+          </a:ln>
+          <a:effectLst/>
+          <a:extLst>
+            <a:ext uri="{AF507438-7753-43E0-B8FC-AC1667EBCBE1}">
+              <a14:hiddenEffects xmlns:a14="http://schemas.microsoft.com/office/drawing/2010/main">
+                <a:effectLst>
+                  <a:outerShdw dist="35921" dir="2700000" algn="ctr" rotWithShape="0">
+                    <a:schemeClr val="bg2"/>
+                  </a:outerShdw>
+                </a:effectLst>
+              </a14:hiddenEffects>
+            </a:ext>
+          </a:extLst>
+        </p:spPr>
+      </p:cxnSp>
     </p:spTree>
     <p:extLst>
       <p:ext uri="{BB962C8B-B14F-4D97-AF65-F5344CB8AC3E}">
